--- a/Documents/Ma Moyenne.pptx
+++ b/Documents/Ma Moyenne.pptx
@@ -119,6 +119,22 @@
       </a:defRPr>
     </a:lvl9pPr>
   </p:defaultTextStyle>
+  <p:extLst>
+    <p:ext uri="{EFAFB233-063F-42B5-8137-9DF3F51BA10A}">
+      <p15:sldGuideLst xmlns:p15="http://schemas.microsoft.com/office/powerpoint/2012/main">
+        <p15:guide id="1" orient="horz" pos="2160">
+          <p15:clr>
+            <a:srgbClr val="A4A3A4"/>
+          </p15:clr>
+        </p15:guide>
+        <p15:guide id="2" pos="2880">
+          <p15:clr>
+            <a:srgbClr val="A4A3A4"/>
+          </p15:clr>
+        </p15:guide>
+      </p15:sldGuideLst>
+    </p:ext>
+  </p:extLst>
 </p:presentation>
 </file>
 
@@ -204,7 +220,7 @@
           <a:p>
             <a:fld id="{50221CF5-FB91-4118-857B-502539052A53}" type="datetimeFigureOut">
               <a:rPr lang="fr-FR" smtClean="0"/>
-              <a:t>26/01/2015</a:t>
+              <a:t>27/01/2015</a:t>
             </a:fld>
             <a:endParaRPr lang="fr-FR"/>
           </a:p>
@@ -766,7 +782,7 @@
           <a:p>
             <a:fld id="{FC3410D3-3D1E-4FC7-958A-85E8D497938F}" type="datetimeFigureOut">
               <a:rPr lang="fr-FR" smtClean="0"/>
-              <a:t>26/01/2015</a:t>
+              <a:t>27/01/2015</a:t>
             </a:fld>
             <a:endParaRPr lang="fr-FR"/>
           </a:p>
@@ -952,7 +968,7 @@
           <a:p>
             <a:fld id="{FC3410D3-3D1E-4FC7-958A-85E8D497938F}" type="datetimeFigureOut">
               <a:rPr lang="fr-FR" smtClean="0"/>
-              <a:t>26/01/2015</a:t>
+              <a:t>27/01/2015</a:t>
             </a:fld>
             <a:endParaRPr lang="fr-FR"/>
           </a:p>
@@ -1134,7 +1150,7 @@
           <a:p>
             <a:fld id="{FC3410D3-3D1E-4FC7-958A-85E8D497938F}" type="datetimeFigureOut">
               <a:rPr lang="fr-FR" smtClean="0"/>
-              <a:t>26/01/2015</a:t>
+              <a:t>27/01/2015</a:t>
             </a:fld>
             <a:endParaRPr lang="fr-FR"/>
           </a:p>
@@ -1327,7 +1343,7 @@
           <a:p>
             <a:fld id="{FC3410D3-3D1E-4FC7-958A-85E8D497938F}" type="datetimeFigureOut">
               <a:rPr lang="fr-FR" smtClean="0"/>
-              <a:t>26/01/2015</a:t>
+              <a:t>27/01/2015</a:t>
             </a:fld>
             <a:endParaRPr lang="fr-FR"/>
           </a:p>
@@ -1453,7 +1469,7 @@
           <a:p>
             <a:fld id="{FC3410D3-3D1E-4FC7-958A-85E8D497938F}" type="datetimeFigureOut">
               <a:rPr lang="fr-FR" smtClean="0"/>
-              <a:t>26/01/2015</a:t>
+              <a:t>27/01/2015</a:t>
             </a:fld>
             <a:endParaRPr lang="fr-FR"/>
           </a:p>
@@ -1842,7 +1858,7 @@
           <a:p>
             <a:fld id="{FC3410D3-3D1E-4FC7-958A-85E8D497938F}" type="datetimeFigureOut">
               <a:rPr lang="fr-FR" smtClean="0"/>
-              <a:t>26/01/2015</a:t>
+              <a:t>27/01/2015</a:t>
             </a:fld>
             <a:endParaRPr lang="fr-FR"/>
           </a:p>
@@ -2287,7 +2303,7 @@
           <a:p>
             <a:fld id="{FC3410D3-3D1E-4FC7-958A-85E8D497938F}" type="datetimeFigureOut">
               <a:rPr lang="fr-FR" smtClean="0"/>
-              <a:t>26/01/2015</a:t>
+              <a:t>27/01/2015</a:t>
             </a:fld>
             <a:endParaRPr lang="fr-FR"/>
           </a:p>
@@ -2412,7 +2428,7 @@
           <a:p>
             <a:fld id="{FC3410D3-3D1E-4FC7-958A-85E8D497938F}" type="datetimeFigureOut">
               <a:rPr lang="fr-FR" smtClean="0"/>
-              <a:t>26/01/2015</a:t>
+              <a:t>27/01/2015</a:t>
             </a:fld>
             <a:endParaRPr lang="fr-FR"/>
           </a:p>
@@ -2509,7 +2525,7 @@
           <a:p>
             <a:fld id="{FC3410D3-3D1E-4FC7-958A-85E8D497938F}" type="datetimeFigureOut">
               <a:rPr lang="fr-FR" smtClean="0"/>
-              <a:t>26/01/2015</a:t>
+              <a:t>27/01/2015</a:t>
             </a:fld>
             <a:endParaRPr lang="fr-FR"/>
           </a:p>
@@ -2800,7 +2816,7 @@
           <a:p>
             <a:fld id="{FC3410D3-3D1E-4FC7-958A-85E8D497938F}" type="datetimeFigureOut">
               <a:rPr lang="fr-FR" smtClean="0"/>
-              <a:t>26/01/2015</a:t>
+              <a:t>27/01/2015</a:t>
             </a:fld>
             <a:endParaRPr lang="fr-FR"/>
           </a:p>
@@ -3069,7 +3085,7 @@
           <a:p>
             <a:fld id="{FC3410D3-3D1E-4FC7-958A-85E8D497938F}" type="datetimeFigureOut">
               <a:rPr lang="fr-FR" smtClean="0"/>
-              <a:t>26/01/2015</a:t>
+              <a:t>27/01/2015</a:t>
             </a:fld>
             <a:endParaRPr lang="fr-FR"/>
           </a:p>
@@ -3351,7 +3367,7 @@
           <a:p>
             <a:fld id="{FC3410D3-3D1E-4FC7-958A-85E8D497938F}" type="datetimeFigureOut">
               <a:rPr lang="fr-FR" smtClean="0"/>
-              <a:t>26/01/2015</a:t>
+              <a:t>27/01/2015</a:t>
             </a:fld>
             <a:endParaRPr lang="fr-FR"/>
           </a:p>
@@ -4335,11 +4351,7 @@
             <a:pPr algn="ctr"/>
             <a:r>
               <a:rPr lang="fr-FR" sz="2000" b="1" dirty="0" smtClean="0"/>
-              <a:t>Saisir </a:t>
-            </a:r>
-            <a:r>
-              <a:rPr lang="fr-FR" sz="2000" b="1" dirty="0" smtClean="0"/>
-              <a:t>un élève</a:t>
+              <a:t>Saisir un élève</a:t>
             </a:r>
             <a:endParaRPr lang="fr-FR" sz="2000" b="1" dirty="0"/>
           </a:p>
@@ -4383,11 +4395,7 @@
             <a:pPr algn="ctr"/>
             <a:r>
               <a:rPr lang="fr-FR" dirty="0" smtClean="0"/>
-              <a:t>Saisir </a:t>
-            </a:r>
-            <a:r>
-              <a:rPr lang="fr-FR" dirty="0" smtClean="0"/>
-              <a:t>le prénom d’un élève</a:t>
+              <a:t>Saisir le prénom d’un élève</a:t>
             </a:r>
             <a:endParaRPr lang="fr-FR" dirty="0"/>
           </a:p>
@@ -7085,11 +7093,7 @@
             </a:r>
             <a:r>
               <a:rPr lang="fr-FR" sz="2800" dirty="0" smtClean="0"/>
-              <a:t> - </a:t>
-            </a:r>
-            <a:r>
-              <a:rPr lang="fr-FR" sz="2800" dirty="0" smtClean="0"/>
-              <a:t>Etudiants</a:t>
+              <a:t> - Etudiants</a:t>
             </a:r>
             <a:endParaRPr lang="fr-FR" sz="2800" dirty="0"/>
           </a:p>
@@ -7529,7 +7533,7 @@
               <a:pPr algn="ctr"/>
               <a:r>
                 <a:rPr lang="fr-FR" sz="2400" b="1" dirty="0" smtClean="0"/>
-                <a:t>OK</a:t>
+                <a:t>Connexion</a:t>
               </a:r>
               <a:endParaRPr lang="fr-FR" b="1" dirty="0"/>
             </a:p>
@@ -7850,8 +7854,8 @@
           <a:p>
             <a:pPr algn="ctr"/>
             <a:r>
-              <a:rPr lang="fr-FR" sz="2400" b="1" dirty="0" smtClean="0"/>
-              <a:t>OK</a:t>
+              <a:rPr lang="fr-FR" sz="2400" b="1" smtClean="0"/>
+              <a:t>Connexion</a:t>
             </a:r>
             <a:endParaRPr lang="fr-FR" b="1" dirty="0"/>
           </a:p>

--- a/Documents/Ma Moyenne.pptx
+++ b/Documents/Ma Moyenne.pptx
@@ -5,22 +5,25 @@
     <p:sldMasterId id="2147483684" r:id="rId1"/>
   </p:sldMasterIdLst>
   <p:notesMasterIdLst>
-    <p:notesMasterId r:id="rId15"/>
+    <p:notesMasterId r:id="rId18"/>
   </p:notesMasterIdLst>
   <p:sldIdLst>
     <p:sldId id="256" r:id="rId2"/>
     <p:sldId id="257" r:id="rId3"/>
-    <p:sldId id="258" r:id="rId4"/>
-    <p:sldId id="268" r:id="rId5"/>
-    <p:sldId id="259" r:id="rId6"/>
-    <p:sldId id="260" r:id="rId7"/>
-    <p:sldId id="261" r:id="rId8"/>
-    <p:sldId id="262" r:id="rId9"/>
-    <p:sldId id="264" r:id="rId10"/>
-    <p:sldId id="269" r:id="rId11"/>
-    <p:sldId id="270" r:id="rId12"/>
-    <p:sldId id="267" r:id="rId13"/>
-    <p:sldId id="271" r:id="rId14"/>
+    <p:sldId id="272" r:id="rId4"/>
+    <p:sldId id="258" r:id="rId5"/>
+    <p:sldId id="268" r:id="rId6"/>
+    <p:sldId id="259" r:id="rId7"/>
+    <p:sldId id="260" r:id="rId8"/>
+    <p:sldId id="261" r:id="rId9"/>
+    <p:sldId id="262" r:id="rId10"/>
+    <p:sldId id="264" r:id="rId11"/>
+    <p:sldId id="269" r:id="rId12"/>
+    <p:sldId id="270" r:id="rId13"/>
+    <p:sldId id="267" r:id="rId14"/>
+    <p:sldId id="273" r:id="rId15"/>
+    <p:sldId id="271" r:id="rId16"/>
+    <p:sldId id="274" r:id="rId17"/>
   </p:sldIdLst>
   <p:sldSz cx="9144000" cy="6858000" type="screen4x3"/>
   <p:notesSz cx="6858000" cy="9144000"/>
@@ -121,7 +124,7 @@
   </p:defaultTextStyle>
   <p:extLst>
     <p:ext uri="{EFAFB233-063F-42B5-8137-9DF3F51BA10A}">
-      <p15:sldGuideLst xmlns:p15="http://schemas.microsoft.com/office/powerpoint/2012/main">
+      <p15:sldGuideLst xmlns:p15="http://schemas.microsoft.com/office/powerpoint/2012/main" xmlns="">
         <p15:guide id="1" orient="horz" pos="2160">
           <p15:clr>
             <a:srgbClr val="A4A3A4"/>
@@ -220,7 +223,7 @@
           <a:p>
             <a:fld id="{50221CF5-FB91-4118-857B-502539052A53}" type="datetimeFigureOut">
               <a:rPr lang="fr-FR" smtClean="0"/>
-              <a:t>27/01/2015</a:t>
+              <a:t>02/02/2015</a:t>
             </a:fld>
             <a:endParaRPr lang="fr-FR"/>
           </a:p>
@@ -553,7 +556,7 @@
           <a:p>
             <a:fld id="{DEDBF851-017B-422C-BCA3-3DC4DFC7F592}" type="slidenum">
               <a:rPr lang="fr-FR" smtClean="0"/>
-              <a:t>13</a:t>
+              <a:t>15</a:t>
             </a:fld>
             <a:endParaRPr lang="fr-FR"/>
           </a:p>
@@ -782,7 +785,7 @@
           <a:p>
             <a:fld id="{FC3410D3-3D1E-4FC7-958A-85E8D497938F}" type="datetimeFigureOut">
               <a:rPr lang="fr-FR" smtClean="0"/>
-              <a:t>27/01/2015</a:t>
+              <a:t>02/02/2015</a:t>
             </a:fld>
             <a:endParaRPr lang="fr-FR"/>
           </a:p>
@@ -968,7 +971,7 @@
           <a:p>
             <a:fld id="{FC3410D3-3D1E-4FC7-958A-85E8D497938F}" type="datetimeFigureOut">
               <a:rPr lang="fr-FR" smtClean="0"/>
-              <a:t>27/01/2015</a:t>
+              <a:t>02/02/2015</a:t>
             </a:fld>
             <a:endParaRPr lang="fr-FR"/>
           </a:p>
@@ -1150,7 +1153,7 @@
           <a:p>
             <a:fld id="{FC3410D3-3D1E-4FC7-958A-85E8D497938F}" type="datetimeFigureOut">
               <a:rPr lang="fr-FR" smtClean="0"/>
-              <a:t>27/01/2015</a:t>
+              <a:t>02/02/2015</a:t>
             </a:fld>
             <a:endParaRPr lang="fr-FR"/>
           </a:p>
@@ -1343,7 +1346,7 @@
           <a:p>
             <a:fld id="{FC3410D3-3D1E-4FC7-958A-85E8D497938F}" type="datetimeFigureOut">
               <a:rPr lang="fr-FR" smtClean="0"/>
-              <a:t>27/01/2015</a:t>
+              <a:t>02/02/2015</a:t>
             </a:fld>
             <a:endParaRPr lang="fr-FR"/>
           </a:p>
@@ -1469,7 +1472,7 @@
           <a:p>
             <a:fld id="{FC3410D3-3D1E-4FC7-958A-85E8D497938F}" type="datetimeFigureOut">
               <a:rPr lang="fr-FR" smtClean="0"/>
-              <a:t>27/01/2015</a:t>
+              <a:t>02/02/2015</a:t>
             </a:fld>
             <a:endParaRPr lang="fr-FR"/>
           </a:p>
@@ -1858,7 +1861,7 @@
           <a:p>
             <a:fld id="{FC3410D3-3D1E-4FC7-958A-85E8D497938F}" type="datetimeFigureOut">
               <a:rPr lang="fr-FR" smtClean="0"/>
-              <a:t>27/01/2015</a:t>
+              <a:t>02/02/2015</a:t>
             </a:fld>
             <a:endParaRPr lang="fr-FR"/>
           </a:p>
@@ -2303,7 +2306,7 @@
           <a:p>
             <a:fld id="{FC3410D3-3D1E-4FC7-958A-85E8D497938F}" type="datetimeFigureOut">
               <a:rPr lang="fr-FR" smtClean="0"/>
-              <a:t>27/01/2015</a:t>
+              <a:t>02/02/2015</a:t>
             </a:fld>
             <a:endParaRPr lang="fr-FR"/>
           </a:p>
@@ -2428,7 +2431,7 @@
           <a:p>
             <a:fld id="{FC3410D3-3D1E-4FC7-958A-85E8D497938F}" type="datetimeFigureOut">
               <a:rPr lang="fr-FR" smtClean="0"/>
-              <a:t>27/01/2015</a:t>
+              <a:t>02/02/2015</a:t>
             </a:fld>
             <a:endParaRPr lang="fr-FR"/>
           </a:p>
@@ -2525,7 +2528,7 @@
           <a:p>
             <a:fld id="{FC3410D3-3D1E-4FC7-958A-85E8D497938F}" type="datetimeFigureOut">
               <a:rPr lang="fr-FR" smtClean="0"/>
-              <a:t>27/01/2015</a:t>
+              <a:t>02/02/2015</a:t>
             </a:fld>
             <a:endParaRPr lang="fr-FR"/>
           </a:p>
@@ -2816,7 +2819,7 @@
           <a:p>
             <a:fld id="{FC3410D3-3D1E-4FC7-958A-85E8D497938F}" type="datetimeFigureOut">
               <a:rPr lang="fr-FR" smtClean="0"/>
-              <a:t>27/01/2015</a:t>
+              <a:t>02/02/2015</a:t>
             </a:fld>
             <a:endParaRPr lang="fr-FR"/>
           </a:p>
@@ -3085,7 +3088,7 @@
           <a:p>
             <a:fld id="{FC3410D3-3D1E-4FC7-958A-85E8D497938F}" type="datetimeFigureOut">
               <a:rPr lang="fr-FR" smtClean="0"/>
-              <a:t>27/01/2015</a:t>
+              <a:t>02/02/2015</a:t>
             </a:fld>
             <a:endParaRPr lang="fr-FR"/>
           </a:p>
@@ -3367,7 +3370,7 @@
           <a:p>
             <a:fld id="{FC3410D3-3D1E-4FC7-958A-85E8D497938F}" type="datetimeFigureOut">
               <a:rPr lang="fr-FR" smtClean="0"/>
-              <a:t>27/01/2015</a:t>
+              <a:t>02/02/2015</a:t>
             </a:fld>
             <a:endParaRPr lang="fr-FR"/>
           </a:p>
@@ -3979,14 +3982,14 @@
       </p:grpSpPr>
       <p:sp>
         <p:nvSpPr>
-          <p:cNvPr id="4" name="Rectangle 3"/>
+          <p:cNvPr id="5" name="Rectangle 4"/>
           <p:cNvSpPr/>
           <p:nvPr/>
         </p:nvSpPr>
         <p:spPr>
           <a:xfrm>
             <a:off x="2195736" y="1259622"/>
-            <a:ext cx="5328592" cy="3609538"/>
+            <a:ext cx="5328592" cy="5130898"/>
           </a:xfrm>
           <a:prstGeom prst="rect">
             <a:avLst/>
@@ -4017,7 +4020,7 @@
       </p:sp>
       <p:sp>
         <p:nvSpPr>
-          <p:cNvPr id="5" name="ZoneTexte 4"/>
+          <p:cNvPr id="4" name="ZoneTexte 3"/>
           <p:cNvSpPr txBox="1"/>
           <p:nvPr/>
         </p:nvSpPr>
@@ -4058,7 +4061,7 @@
         </p:nvSpPr>
         <p:spPr>
           <a:xfrm>
-            <a:off x="2499576" y="1410011"/>
+            <a:off x="2422979" y="1250430"/>
             <a:ext cx="4392488" cy="400110"/>
           </a:xfrm>
           <a:prstGeom prst="rect">
@@ -4075,7 +4078,7 @@
             <a:pPr algn="ctr"/>
             <a:r>
               <a:rPr lang="fr-FR" sz="2000" b="1" dirty="0" smtClean="0"/>
-              <a:t>Saisir une matière</a:t>
+              <a:t>Saisir une note</a:t>
             </a:r>
             <a:endParaRPr lang="fr-FR" sz="2000" b="1" dirty="0"/>
           </a:p>
@@ -4083,16 +4086,91 @@
       </p:sp>
       <p:sp>
         <p:nvSpPr>
-          <p:cNvPr id="11" name="ZoneTexte 10"/>
+          <p:cNvPr id="7" name="ZoneTexte 6"/>
           <p:cNvSpPr txBox="1"/>
           <p:nvPr/>
         </p:nvSpPr>
         <p:spPr>
           <a:xfrm>
-            <a:off x="2783019" y="2168537"/>
+            <a:off x="2565914" y="3455739"/>
             <a:ext cx="3301149" cy="369332"/>
           </a:xfrm>
           <a:prstGeom prst="rect">
+            <a:avLst/>
+          </a:prstGeom>
+          <a:noFill/>
+          <a:ln>
+            <a:solidFill>
+              <a:schemeClr val="tx1"/>
+            </a:solidFill>
+          </a:ln>
+        </p:spPr>
+        <p:txBody>
+          <a:bodyPr wrap="square" rtlCol="0">
+            <a:spAutoFit/>
+          </a:bodyPr>
+          <a:lstStyle/>
+          <a:p>
+            <a:r>
+              <a:rPr lang="fr-FR" dirty="0" smtClean="0"/>
+              <a:t>Choix d’une matière</a:t>
+            </a:r>
+            <a:endParaRPr lang="fr-FR" dirty="0"/>
+          </a:p>
+        </p:txBody>
+      </p:sp>
+      <p:sp>
+        <p:nvSpPr>
+          <p:cNvPr id="8" name="Rectangle 7"/>
+          <p:cNvSpPr/>
+          <p:nvPr/>
+        </p:nvSpPr>
+        <p:spPr>
+          <a:xfrm>
+            <a:off x="5421438" y="3455739"/>
+            <a:ext cx="432048" cy="369332"/>
+          </a:xfrm>
+          <a:prstGeom prst="rect">
+            <a:avLst/>
+          </a:prstGeom>
+        </p:spPr>
+        <p:style>
+          <a:lnRef idx="2">
+            <a:schemeClr val="dk1">
+              <a:shade val="50000"/>
+            </a:schemeClr>
+          </a:lnRef>
+          <a:fillRef idx="1">
+            <a:schemeClr val="dk1"/>
+          </a:fillRef>
+          <a:effectRef idx="0">
+            <a:schemeClr val="dk1"/>
+          </a:effectRef>
+          <a:fontRef idx="minor">
+            <a:schemeClr val="lt1"/>
+          </a:fontRef>
+        </p:style>
+        <p:txBody>
+          <a:bodyPr rtlCol="0" anchor="ctr"/>
+          <a:lstStyle/>
+          <a:p>
+            <a:pPr algn="ctr"/>
+            <a:endParaRPr lang="fr-FR"/>
+          </a:p>
+        </p:txBody>
+      </p:sp>
+      <p:sp>
+        <p:nvSpPr>
+          <p:cNvPr id="9" name="Flèche vers le bas 8"/>
+          <p:cNvSpPr/>
+          <p:nvPr/>
+        </p:nvSpPr>
+        <p:spPr>
+          <a:xfrm>
+            <a:off x="5457442" y="3455739"/>
+            <a:ext cx="360040" cy="369332"/>
+          </a:xfrm>
+          <a:prstGeom prst="downArrow">
             <a:avLst/>
           </a:prstGeom>
         </p:spPr>
@@ -4111,15 +4189,120 @@
           </a:fontRef>
         </p:style>
         <p:txBody>
+          <a:bodyPr rtlCol="0" anchor="ctr"/>
+          <a:lstStyle/>
+          <a:p>
+            <a:pPr algn="ctr"/>
+            <a:endParaRPr lang="fr-FR"/>
+          </a:p>
+        </p:txBody>
+      </p:sp>
+      <p:sp>
+        <p:nvSpPr>
+          <p:cNvPr id="11" name="ZoneTexte 10"/>
+          <p:cNvSpPr txBox="1"/>
+          <p:nvPr/>
+        </p:nvSpPr>
+        <p:spPr>
+          <a:xfrm>
+            <a:off x="2462311" y="3825071"/>
+            <a:ext cx="3301149" cy="1477328"/>
+          </a:xfrm>
+          <a:prstGeom prst="rect">
+            <a:avLst/>
+          </a:prstGeom>
+          <a:noFill/>
+        </p:spPr>
+        <p:txBody>
           <a:bodyPr wrap="square" rtlCol="0">
             <a:spAutoFit/>
           </a:bodyPr>
           <a:lstStyle/>
           <a:p>
+            <a:pPr marL="285750" indent="-285750">
+              <a:buFont typeface="Wingdings" panose="05000000000000000000" pitchFamily="2" charset="2"/>
+              <a:buChar char="Ø"/>
+            </a:pPr>
+            <a:r>
+              <a:rPr lang="fr-FR" dirty="0" smtClean="0"/>
+              <a:t>Histoire / Géo</a:t>
+            </a:r>
+          </a:p>
+          <a:p>
+            <a:pPr marL="285750" indent="-285750">
+              <a:buFont typeface="Wingdings" panose="05000000000000000000" pitchFamily="2" charset="2"/>
+              <a:buChar char="Ø"/>
+            </a:pPr>
+            <a:r>
+              <a:rPr lang="fr-FR" dirty="0" smtClean="0"/>
+              <a:t>Maths</a:t>
+            </a:r>
+          </a:p>
+          <a:p>
+            <a:pPr marL="285750" indent="-285750">
+              <a:buFont typeface="Wingdings" panose="05000000000000000000" pitchFamily="2" charset="2"/>
+              <a:buChar char="Ø"/>
+            </a:pPr>
+            <a:r>
+              <a:rPr lang="fr-FR" dirty="0" smtClean="0"/>
+              <a:t>Français</a:t>
+            </a:r>
+          </a:p>
+          <a:p>
+            <a:pPr marL="285750" indent="-285750">
+              <a:buFont typeface="Wingdings" panose="05000000000000000000" pitchFamily="2" charset="2"/>
+              <a:buChar char="Ø"/>
+            </a:pPr>
+            <a:r>
+              <a:rPr lang="fr-FR" dirty="0" smtClean="0"/>
+              <a:t>[…]</a:t>
+            </a:r>
+            <a:br>
+              <a:rPr lang="fr-FR" dirty="0" smtClean="0"/>
+            </a:br>
+            <a:endParaRPr lang="fr-FR" dirty="0"/>
+          </a:p>
+        </p:txBody>
+      </p:sp>
+      <p:sp>
+        <p:nvSpPr>
+          <p:cNvPr id="12" name="ZoneTexte 11"/>
+          <p:cNvSpPr txBox="1"/>
+          <p:nvPr/>
+        </p:nvSpPr>
+        <p:spPr>
+          <a:xfrm>
+            <a:off x="2565914" y="5117733"/>
+            <a:ext cx="3301149" cy="369332"/>
+          </a:xfrm>
+          <a:prstGeom prst="rect">
+            <a:avLst/>
+          </a:prstGeom>
+        </p:spPr>
+        <p:style>
+          <a:lnRef idx="2">
+            <a:schemeClr val="dk1"/>
+          </a:lnRef>
+          <a:fillRef idx="1">
+            <a:schemeClr val="lt1"/>
+          </a:fillRef>
+          <a:effectRef idx="0">
+            <a:schemeClr val="dk1"/>
+          </a:effectRef>
+          <a:fontRef idx="minor">
+            <a:schemeClr val="dk1"/>
+          </a:fontRef>
+        </p:style>
+        <p:txBody>
+          <a:bodyPr wrap="square" rtlCol="0">
+            <a:spAutoFit/>
+          </a:bodyPr>
+          <a:lstStyle/>
+          <a:p>
             <a:pPr algn="ctr"/>
             <a:r>
               <a:rPr lang="fr-FR" dirty="0" smtClean="0"/>
-              <a:t>Saisir une matière</a:t>
+              <a:t>Note a saisir</a:t>
             </a:r>
             <a:endParaRPr lang="fr-FR" dirty="0"/>
           </a:p>
@@ -4127,13 +4310,13 @@
       </p:sp>
       <p:sp>
         <p:nvSpPr>
-          <p:cNvPr id="12" name="Rectangle 11"/>
+          <p:cNvPr id="13" name="Rectangle 12"/>
           <p:cNvSpPr/>
           <p:nvPr/>
         </p:nvSpPr>
         <p:spPr>
           <a:xfrm>
-            <a:off x="5112060" y="3860752"/>
+            <a:off x="5493467" y="5885554"/>
             <a:ext cx="1944216" cy="432048"/>
           </a:xfrm>
           <a:prstGeom prst="rect">
@@ -4174,52 +4357,218 @@
       </p:sp>
       <p:sp>
         <p:nvSpPr>
-          <p:cNvPr id="19" name="ZoneTexte 18"/>
+          <p:cNvPr id="16" name="ZoneTexte 15"/>
           <p:cNvSpPr txBox="1"/>
           <p:nvPr/>
         </p:nvSpPr>
         <p:spPr>
           <a:xfrm>
-            <a:off x="2783018" y="2888617"/>
-            <a:ext cx="3301149" cy="369332"/>
+            <a:off x="2565914" y="2180556"/>
+            <a:ext cx="3301149" cy="1477328"/>
           </a:xfrm>
           <a:prstGeom prst="rect">
             <a:avLst/>
           </a:prstGeom>
-        </p:spPr>
-        <p:style>
-          <a:lnRef idx="2">
-            <a:schemeClr val="dk1"/>
-          </a:lnRef>
-          <a:fillRef idx="1">
-            <a:schemeClr val="lt1"/>
-          </a:fillRef>
-          <a:effectRef idx="0">
-            <a:schemeClr val="dk1"/>
-          </a:effectRef>
-          <a:fontRef idx="minor">
-            <a:schemeClr val="dk1"/>
-          </a:fontRef>
-        </p:style>
+          <a:noFill/>
+        </p:spPr>
         <p:txBody>
           <a:bodyPr wrap="square" rtlCol="0">
             <a:spAutoFit/>
           </a:bodyPr>
           <a:lstStyle/>
           <a:p>
-            <a:pPr algn="ctr"/>
+            <a:pPr marL="285750" indent="-285750">
+              <a:buFont typeface="Wingdings" panose="05000000000000000000" pitchFamily="2" charset="2"/>
+              <a:buChar char="Ø"/>
+            </a:pPr>
             <a:r>
               <a:rPr lang="fr-FR" dirty="0" smtClean="0"/>
-              <a:t>Saisir un coefficient</a:t>
-            </a:r>
+              <a:t>Mr. Dupond</a:t>
+            </a:r>
+          </a:p>
+          <a:p>
+            <a:pPr marL="285750" indent="-285750">
+              <a:buFont typeface="Wingdings" panose="05000000000000000000" pitchFamily="2" charset="2"/>
+              <a:buChar char="Ø"/>
+            </a:pPr>
+            <a:r>
+              <a:rPr lang="fr-FR" dirty="0" smtClean="0"/>
+              <a:t>Mr. Henry</a:t>
+            </a:r>
+          </a:p>
+          <a:p>
+            <a:pPr marL="285750" indent="-285750">
+              <a:buFont typeface="Wingdings" panose="05000000000000000000" pitchFamily="2" charset="2"/>
+              <a:buChar char="Ø"/>
+            </a:pPr>
+            <a:r>
+              <a:rPr lang="fr-FR" dirty="0" smtClean="0"/>
+              <a:t>Mme Duchamp</a:t>
+            </a:r>
+          </a:p>
+          <a:p>
+            <a:pPr marL="285750" indent="-285750">
+              <a:buFont typeface="Wingdings" panose="05000000000000000000" pitchFamily="2" charset="2"/>
+              <a:buChar char="Ø"/>
+            </a:pPr>
+            <a:r>
+              <a:rPr lang="fr-FR" dirty="0" smtClean="0"/>
+              <a:t>[…]</a:t>
+            </a:r>
+            <a:br>
+              <a:rPr lang="fr-FR" dirty="0" smtClean="0"/>
+            </a:br>
             <a:endParaRPr lang="fr-FR" dirty="0"/>
           </a:p>
         </p:txBody>
       </p:sp>
+      <p:grpSp>
+        <p:nvGrpSpPr>
+          <p:cNvPr id="19" name="Groupe 18"/>
+          <p:cNvGrpSpPr/>
+          <p:nvPr/>
+        </p:nvGrpSpPr>
+        <p:grpSpPr>
+          <a:xfrm>
+            <a:off x="2565914" y="1811224"/>
+            <a:ext cx="3301149" cy="369332"/>
+            <a:chOff x="2565914" y="1811224"/>
+            <a:chExt cx="3301149" cy="369332"/>
+          </a:xfrm>
+        </p:grpSpPr>
+        <p:sp>
+          <p:nvSpPr>
+            <p:cNvPr id="17" name="Rectangle 16"/>
+            <p:cNvSpPr/>
+            <p:nvPr/>
+          </p:nvSpPr>
+          <p:spPr>
+            <a:xfrm>
+              <a:off x="5435015" y="1811224"/>
+              <a:ext cx="432048" cy="369332"/>
+            </a:xfrm>
+            <a:prstGeom prst="rect">
+              <a:avLst/>
+            </a:prstGeom>
+          </p:spPr>
+          <p:style>
+            <a:lnRef idx="2">
+              <a:schemeClr val="dk1">
+                <a:shade val="50000"/>
+              </a:schemeClr>
+            </a:lnRef>
+            <a:fillRef idx="1">
+              <a:schemeClr val="dk1"/>
+            </a:fillRef>
+            <a:effectRef idx="0">
+              <a:schemeClr val="dk1"/>
+            </a:effectRef>
+            <a:fontRef idx="minor">
+              <a:schemeClr val="lt1"/>
+            </a:fontRef>
+          </p:style>
+          <p:txBody>
+            <a:bodyPr rtlCol="0" anchor="ctr"/>
+            <a:lstStyle/>
+            <a:p>
+              <a:pPr algn="ctr"/>
+              <a:endParaRPr lang="fr-FR"/>
+            </a:p>
+          </p:txBody>
+        </p:sp>
+        <p:grpSp>
+          <p:nvGrpSpPr>
+            <p:cNvPr id="18" name="Groupe 17"/>
+            <p:cNvGrpSpPr/>
+            <p:nvPr/>
+          </p:nvGrpSpPr>
+          <p:grpSpPr>
+            <a:xfrm>
+              <a:off x="2565914" y="1811224"/>
+              <a:ext cx="3301149" cy="369332"/>
+              <a:chOff x="2565914" y="1811224"/>
+              <a:chExt cx="3301149" cy="369332"/>
+            </a:xfrm>
+          </p:grpSpPr>
+          <p:sp>
+            <p:nvSpPr>
+              <p:cNvPr id="14" name="ZoneTexte 13"/>
+              <p:cNvSpPr txBox="1"/>
+              <p:nvPr/>
+            </p:nvSpPr>
+            <p:spPr>
+              <a:xfrm>
+                <a:off x="2565914" y="1811224"/>
+                <a:ext cx="3301149" cy="369332"/>
+              </a:xfrm>
+              <a:prstGeom prst="rect">
+                <a:avLst/>
+              </a:prstGeom>
+              <a:noFill/>
+              <a:ln>
+                <a:solidFill>
+                  <a:schemeClr val="tx1"/>
+                </a:solidFill>
+              </a:ln>
+            </p:spPr>
+            <p:txBody>
+              <a:bodyPr wrap="square" rtlCol="0">
+                <a:spAutoFit/>
+              </a:bodyPr>
+              <a:lstStyle/>
+              <a:p>
+                <a:r>
+                  <a:rPr lang="fr-FR" dirty="0" smtClean="0"/>
+                  <a:t>Choix d’un étudiant </a:t>
+                </a:r>
+                <a:endParaRPr lang="fr-FR" dirty="0"/>
+              </a:p>
+            </p:txBody>
+          </p:sp>
+          <p:sp>
+            <p:nvSpPr>
+              <p:cNvPr id="15" name="Flèche vers le bas 14"/>
+              <p:cNvSpPr/>
+              <p:nvPr/>
+            </p:nvSpPr>
+            <p:spPr>
+              <a:xfrm>
+                <a:off x="5469671" y="1811224"/>
+                <a:ext cx="360040" cy="369332"/>
+              </a:xfrm>
+              <a:prstGeom prst="downArrow">
+                <a:avLst/>
+              </a:prstGeom>
+            </p:spPr>
+            <p:style>
+              <a:lnRef idx="2">
+                <a:schemeClr val="dk1"/>
+              </a:lnRef>
+              <a:fillRef idx="1">
+                <a:schemeClr val="lt1"/>
+              </a:fillRef>
+              <a:effectRef idx="0">
+                <a:schemeClr val="dk1"/>
+              </a:effectRef>
+              <a:fontRef idx="minor">
+                <a:schemeClr val="dk1"/>
+              </a:fontRef>
+            </p:style>
+            <p:txBody>
+              <a:bodyPr rtlCol="0" anchor="ctr"/>
+              <a:lstStyle/>
+              <a:p>
+                <a:pPr algn="ctr"/>
+                <a:endParaRPr lang="fr-FR"/>
+              </a:p>
+            </p:txBody>
+          </p:sp>
+        </p:grpSp>
+      </p:grpSp>
     </p:spTree>
     <p:extLst>
       <p:ext uri="{BB962C8B-B14F-4D97-AF65-F5344CB8AC3E}">
-        <p14:creationId xmlns:p14="http://schemas.microsoft.com/office/powerpoint/2010/main" val="2967383817"/>
+        <p14:creationId xmlns:p14="http://schemas.microsoft.com/office/powerpoint/2010/main" val="1157296227"/>
       </p:ext>
     </p:extLst>
   </p:cSld>
@@ -4261,6 +4610,282 @@
         </p:nvSpPr>
         <p:spPr>
           <a:xfrm>
+            <a:off x="2195736" y="1259622"/>
+            <a:ext cx="5328592" cy="3609538"/>
+          </a:xfrm>
+          <a:prstGeom prst="rect">
+            <a:avLst/>
+          </a:prstGeom>
+        </p:spPr>
+        <p:style>
+          <a:lnRef idx="2">
+            <a:schemeClr val="accent2"/>
+          </a:lnRef>
+          <a:fillRef idx="1">
+            <a:schemeClr val="lt1"/>
+          </a:fillRef>
+          <a:effectRef idx="0">
+            <a:schemeClr val="accent2"/>
+          </a:effectRef>
+          <a:fontRef idx="minor">
+            <a:schemeClr val="dk1"/>
+          </a:fontRef>
+        </p:style>
+        <p:txBody>
+          <a:bodyPr rtlCol="0" anchor="ctr"/>
+          <a:lstStyle/>
+          <a:p>
+            <a:pPr algn="ctr"/>
+            <a:endParaRPr lang="fr-FR"/>
+          </a:p>
+        </p:txBody>
+      </p:sp>
+      <p:sp>
+        <p:nvSpPr>
+          <p:cNvPr id="5" name="ZoneTexte 4"/>
+          <p:cNvSpPr txBox="1"/>
+          <p:nvPr/>
+        </p:nvSpPr>
+        <p:spPr>
+          <a:xfrm>
+            <a:off x="575556" y="338753"/>
+            <a:ext cx="7776864" cy="707886"/>
+          </a:xfrm>
+          <a:prstGeom prst="rect">
+            <a:avLst/>
+          </a:prstGeom>
+          <a:noFill/>
+        </p:spPr>
+        <p:txBody>
+          <a:bodyPr wrap="square" rtlCol="0">
+            <a:spAutoFit/>
+          </a:bodyPr>
+          <a:lstStyle/>
+          <a:p>
+            <a:pPr algn="ctr"/>
+            <a:r>
+              <a:rPr lang="fr-FR" sz="4000" dirty="0" err="1" smtClean="0"/>
+              <a:t>Storyboard</a:t>
+            </a:r>
+            <a:r>
+              <a:rPr lang="fr-FR" sz="4000" dirty="0" smtClean="0"/>
+              <a:t> - Administrateur</a:t>
+            </a:r>
+            <a:endParaRPr lang="fr-FR" sz="4000" dirty="0"/>
+          </a:p>
+        </p:txBody>
+      </p:sp>
+      <p:sp>
+        <p:nvSpPr>
+          <p:cNvPr id="6" name="ZoneTexte 5"/>
+          <p:cNvSpPr txBox="1"/>
+          <p:nvPr/>
+        </p:nvSpPr>
+        <p:spPr>
+          <a:xfrm>
+            <a:off x="2499576" y="1410011"/>
+            <a:ext cx="4392488" cy="400110"/>
+          </a:xfrm>
+          <a:prstGeom prst="rect">
+            <a:avLst/>
+          </a:prstGeom>
+          <a:noFill/>
+        </p:spPr>
+        <p:txBody>
+          <a:bodyPr wrap="square" rtlCol="0">
+            <a:spAutoFit/>
+          </a:bodyPr>
+          <a:lstStyle/>
+          <a:p>
+            <a:pPr algn="ctr"/>
+            <a:r>
+              <a:rPr lang="fr-FR" sz="2000" b="1" dirty="0" smtClean="0"/>
+              <a:t>Saisir une matière</a:t>
+            </a:r>
+            <a:endParaRPr lang="fr-FR" sz="2000" b="1" dirty="0"/>
+          </a:p>
+        </p:txBody>
+      </p:sp>
+      <p:sp>
+        <p:nvSpPr>
+          <p:cNvPr id="11" name="ZoneTexte 10"/>
+          <p:cNvSpPr txBox="1"/>
+          <p:nvPr/>
+        </p:nvSpPr>
+        <p:spPr>
+          <a:xfrm>
+            <a:off x="2783019" y="2168537"/>
+            <a:ext cx="3301149" cy="369332"/>
+          </a:xfrm>
+          <a:prstGeom prst="rect">
+            <a:avLst/>
+          </a:prstGeom>
+        </p:spPr>
+        <p:style>
+          <a:lnRef idx="2">
+            <a:schemeClr val="dk1"/>
+          </a:lnRef>
+          <a:fillRef idx="1">
+            <a:schemeClr val="lt1"/>
+          </a:fillRef>
+          <a:effectRef idx="0">
+            <a:schemeClr val="dk1"/>
+          </a:effectRef>
+          <a:fontRef idx="minor">
+            <a:schemeClr val="dk1"/>
+          </a:fontRef>
+        </p:style>
+        <p:txBody>
+          <a:bodyPr wrap="square" rtlCol="0">
+            <a:spAutoFit/>
+          </a:bodyPr>
+          <a:lstStyle/>
+          <a:p>
+            <a:pPr algn="ctr"/>
+            <a:r>
+              <a:rPr lang="fr-FR" dirty="0" smtClean="0"/>
+              <a:t>Saisir une matière</a:t>
+            </a:r>
+            <a:endParaRPr lang="fr-FR" dirty="0"/>
+          </a:p>
+        </p:txBody>
+      </p:sp>
+      <p:sp>
+        <p:nvSpPr>
+          <p:cNvPr id="12" name="Rectangle 11"/>
+          <p:cNvSpPr/>
+          <p:nvPr/>
+        </p:nvSpPr>
+        <p:spPr>
+          <a:xfrm>
+            <a:off x="5112060" y="3860752"/>
+            <a:ext cx="1944216" cy="432048"/>
+          </a:xfrm>
+          <a:prstGeom prst="rect">
+            <a:avLst/>
+          </a:prstGeom>
+          <a:solidFill>
+            <a:srgbClr val="0070C0"/>
+          </a:solidFill>
+        </p:spPr>
+        <p:style>
+          <a:lnRef idx="2">
+            <a:schemeClr val="accent1">
+              <a:shade val="50000"/>
+            </a:schemeClr>
+          </a:lnRef>
+          <a:fillRef idx="1">
+            <a:schemeClr val="accent1"/>
+          </a:fillRef>
+          <a:effectRef idx="0">
+            <a:schemeClr val="accent1"/>
+          </a:effectRef>
+          <a:fontRef idx="minor">
+            <a:schemeClr val="lt1"/>
+          </a:fontRef>
+        </p:style>
+        <p:txBody>
+          <a:bodyPr rtlCol="0" anchor="ctr"/>
+          <a:lstStyle/>
+          <a:p>
+            <a:pPr algn="ctr"/>
+            <a:r>
+              <a:rPr lang="fr-FR" b="1" dirty="0" smtClean="0"/>
+              <a:t>Confirmer</a:t>
+            </a:r>
+            <a:endParaRPr lang="fr-FR" b="1" dirty="0"/>
+          </a:p>
+        </p:txBody>
+      </p:sp>
+      <p:sp>
+        <p:nvSpPr>
+          <p:cNvPr id="19" name="ZoneTexte 18"/>
+          <p:cNvSpPr txBox="1"/>
+          <p:nvPr/>
+        </p:nvSpPr>
+        <p:spPr>
+          <a:xfrm>
+            <a:off x="2783018" y="2888617"/>
+            <a:ext cx="3301149" cy="369332"/>
+          </a:xfrm>
+          <a:prstGeom prst="rect">
+            <a:avLst/>
+          </a:prstGeom>
+        </p:spPr>
+        <p:style>
+          <a:lnRef idx="2">
+            <a:schemeClr val="dk1"/>
+          </a:lnRef>
+          <a:fillRef idx="1">
+            <a:schemeClr val="lt1"/>
+          </a:fillRef>
+          <a:effectRef idx="0">
+            <a:schemeClr val="dk1"/>
+          </a:effectRef>
+          <a:fontRef idx="minor">
+            <a:schemeClr val="dk1"/>
+          </a:fontRef>
+        </p:style>
+        <p:txBody>
+          <a:bodyPr wrap="square" rtlCol="0">
+            <a:spAutoFit/>
+          </a:bodyPr>
+          <a:lstStyle/>
+          <a:p>
+            <a:pPr algn="ctr"/>
+            <a:r>
+              <a:rPr lang="fr-FR" dirty="0" smtClean="0"/>
+              <a:t>Saisir un coefficient</a:t>
+            </a:r>
+            <a:endParaRPr lang="fr-FR" dirty="0"/>
+          </a:p>
+        </p:txBody>
+      </p:sp>
+    </p:spTree>
+    <p:extLst>
+      <p:ext uri="{BB962C8B-B14F-4D97-AF65-F5344CB8AC3E}">
+        <p14:creationId xmlns:p14="http://schemas.microsoft.com/office/powerpoint/2010/main" val="2967383817"/>
+      </p:ext>
+    </p:extLst>
+  </p:cSld>
+  <p:clrMapOvr>
+    <a:masterClrMapping/>
+  </p:clrMapOvr>
+  <p:timing>
+    <p:tnLst>
+      <p:par>
+        <p:cTn id="1" dur="indefinite" restart="never" nodeType="tmRoot"/>
+      </p:par>
+    </p:tnLst>
+  </p:timing>
+</p:sld>
+</file>
+
+<file path=ppt/slides/slide12.xml><?xml version="1.0" encoding="utf-8"?>
+<p:sld xmlns:a="http://schemas.openxmlformats.org/drawingml/2006/main" xmlns:r="http://schemas.openxmlformats.org/officeDocument/2006/relationships" xmlns:p="http://schemas.openxmlformats.org/presentationml/2006/main">
+  <p:cSld>
+    <p:spTree>
+      <p:nvGrpSpPr>
+        <p:cNvPr id="1" name=""/>
+        <p:cNvGrpSpPr/>
+        <p:nvPr/>
+      </p:nvGrpSpPr>
+      <p:grpSpPr>
+        <a:xfrm>
+          <a:off x="0" y="0"/>
+          <a:ext cx="0" cy="0"/>
+          <a:chOff x="0" y="0"/>
+          <a:chExt cx="0" cy="0"/>
+        </a:xfrm>
+      </p:grpSpPr>
+      <p:sp>
+        <p:nvSpPr>
+          <p:cNvPr id="4" name="Rectangle 3"/>
+          <p:cNvSpPr/>
+          <p:nvPr/>
+        </p:nvSpPr>
+        <p:spPr>
+          <a:xfrm>
             <a:off x="2085930" y="1789015"/>
             <a:ext cx="4824536" cy="2673434"/>
           </a:xfrm>
@@ -4468,7 +5093,7 @@
 </p:sld>
 </file>
 
-<file path=ppt/slides/slide12.xml><?xml version="1.0" encoding="utf-8"?>
+<file path=ppt/slides/slide13.xml><?xml version="1.0" encoding="utf-8"?>
 <p:sld xmlns:a="http://schemas.openxmlformats.org/drawingml/2006/main" xmlns:r="http://schemas.openxmlformats.org/officeDocument/2006/relationships" xmlns:p="http://schemas.openxmlformats.org/presentationml/2006/main">
   <p:cSld>
     <p:spTree>
@@ -4987,8 +5612,8 @@
         </p:nvSpPr>
         <p:spPr>
           <a:xfrm>
-            <a:off x="5435015" y="5087269"/>
-            <a:ext cx="1544090" cy="369332"/>
+            <a:off x="5292080" y="5087269"/>
+            <a:ext cx="1887087" cy="369332"/>
           </a:xfrm>
           <a:prstGeom prst="rect">
             <a:avLst/>
@@ -5020,7 +5645,7 @@
             <a:pPr algn="ctr"/>
             <a:r>
               <a:rPr lang="fr-FR" dirty="0" smtClean="0"/>
-              <a:t>Note actuelle</a:t>
+              <a:t>Note(s) actuelle(s)</a:t>
             </a:r>
             <a:endParaRPr lang="fr-FR" dirty="0"/>
           </a:p>
@@ -5137,7 +5762,824 @@
 </p:sld>
 </file>
 
-<file path=ppt/slides/slide13.xml><?xml version="1.0" encoding="utf-8"?>
+<file path=ppt/slides/slide14.xml><?xml version="1.0" encoding="utf-8"?>
+<p:sld xmlns:a="http://schemas.openxmlformats.org/drawingml/2006/main" xmlns:r="http://schemas.openxmlformats.org/officeDocument/2006/relationships" xmlns:p="http://schemas.openxmlformats.org/presentationml/2006/main">
+  <p:cSld>
+    <p:spTree>
+      <p:nvGrpSpPr>
+        <p:cNvPr id="1" name=""/>
+        <p:cNvGrpSpPr/>
+        <p:nvPr/>
+      </p:nvGrpSpPr>
+      <p:grpSpPr>
+        <a:xfrm>
+          <a:off x="0" y="0"/>
+          <a:ext cx="0" cy="0"/>
+          <a:chOff x="0" y="0"/>
+          <a:chExt cx="0" cy="0"/>
+        </a:xfrm>
+      </p:grpSpPr>
+      <p:grpSp>
+        <p:nvGrpSpPr>
+          <p:cNvPr id="4" name="Groupe 3"/>
+          <p:cNvGrpSpPr/>
+          <p:nvPr/>
+        </p:nvGrpSpPr>
+        <p:grpSpPr>
+          <a:xfrm>
+            <a:off x="667365" y="1882532"/>
+            <a:ext cx="2304256" cy="1944365"/>
+            <a:chOff x="1944949" y="1052885"/>
+            <a:chExt cx="5328592" cy="5472608"/>
+          </a:xfrm>
+        </p:grpSpPr>
+        <p:sp>
+          <p:nvSpPr>
+            <p:cNvPr id="5" name="Rectangle 4"/>
+            <p:cNvSpPr/>
+            <p:nvPr/>
+          </p:nvSpPr>
+          <p:spPr>
+            <a:xfrm>
+              <a:off x="1944949" y="1052885"/>
+              <a:ext cx="5328592" cy="5472608"/>
+            </a:xfrm>
+            <a:prstGeom prst="rect">
+              <a:avLst/>
+            </a:prstGeom>
+          </p:spPr>
+          <p:style>
+            <a:lnRef idx="2">
+              <a:schemeClr val="accent2"/>
+            </a:lnRef>
+            <a:fillRef idx="1">
+              <a:schemeClr val="lt1"/>
+            </a:fillRef>
+            <a:effectRef idx="0">
+              <a:schemeClr val="accent2"/>
+            </a:effectRef>
+            <a:fontRef idx="minor">
+              <a:schemeClr val="dk1"/>
+            </a:fontRef>
+          </p:style>
+          <p:txBody>
+            <a:bodyPr rtlCol="0" anchor="ctr"/>
+            <a:lstStyle/>
+            <a:p>
+              <a:pPr algn="ctr"/>
+              <a:endParaRPr lang="fr-FR"/>
+            </a:p>
+          </p:txBody>
+        </p:sp>
+        <p:sp>
+          <p:nvSpPr>
+            <p:cNvPr id="6" name="ZoneTexte 5"/>
+            <p:cNvSpPr txBox="1"/>
+            <p:nvPr/>
+          </p:nvSpPr>
+          <p:spPr>
+            <a:xfrm>
+              <a:off x="2425033" y="1250430"/>
+              <a:ext cx="4392487" cy="714672"/>
+            </a:xfrm>
+            <a:prstGeom prst="rect">
+              <a:avLst/>
+            </a:prstGeom>
+            <a:noFill/>
+          </p:spPr>
+          <p:txBody>
+            <a:bodyPr wrap="square" rtlCol="0">
+              <a:spAutoFit/>
+            </a:bodyPr>
+            <a:lstStyle/>
+            <a:p>
+              <a:pPr algn="ctr"/>
+              <a:r>
+                <a:rPr lang="fr-FR" sz="1050" b="1" dirty="0" smtClean="0"/>
+                <a:t>Accueil de l’application</a:t>
+              </a:r>
+              <a:endParaRPr lang="fr-FR" sz="1050" b="1" dirty="0"/>
+            </a:p>
+          </p:txBody>
+        </p:sp>
+        <p:sp>
+          <p:nvSpPr>
+            <p:cNvPr id="7" name="Rectangle 6"/>
+            <p:cNvSpPr/>
+            <p:nvPr/>
+          </p:nvSpPr>
+          <p:spPr>
+            <a:xfrm>
+              <a:off x="2629024" y="4296086"/>
+              <a:ext cx="3960441" cy="504055"/>
+            </a:xfrm>
+            <a:prstGeom prst="rect">
+              <a:avLst/>
+            </a:prstGeom>
+          </p:spPr>
+          <p:style>
+            <a:lnRef idx="2">
+              <a:schemeClr val="accent2">
+                <a:shade val="50000"/>
+              </a:schemeClr>
+            </a:lnRef>
+            <a:fillRef idx="1">
+              <a:schemeClr val="accent2"/>
+            </a:fillRef>
+            <a:effectRef idx="0">
+              <a:schemeClr val="accent2"/>
+            </a:effectRef>
+            <a:fontRef idx="minor">
+              <a:schemeClr val="lt1"/>
+            </a:fontRef>
+          </p:style>
+          <p:txBody>
+            <a:bodyPr rtlCol="0" anchor="ctr"/>
+            <a:lstStyle/>
+            <a:p>
+              <a:pPr algn="ctr"/>
+              <a:r>
+                <a:rPr lang="fr-FR" sz="1050" b="1" dirty="0" smtClean="0"/>
+                <a:t>Administrateurs</a:t>
+              </a:r>
+              <a:endParaRPr lang="fr-FR" b="1" dirty="0"/>
+            </a:p>
+          </p:txBody>
+        </p:sp>
+      </p:grpSp>
+      <p:sp>
+        <p:nvSpPr>
+          <p:cNvPr id="8" name="Rectangle 7"/>
+          <p:cNvSpPr/>
+          <p:nvPr/>
+        </p:nvSpPr>
+        <p:spPr>
+          <a:xfrm>
+            <a:off x="963180" y="2675628"/>
+            <a:ext cx="1712623" cy="179086"/>
+          </a:xfrm>
+          <a:prstGeom prst="rect">
+            <a:avLst/>
+          </a:prstGeom>
+        </p:spPr>
+        <p:style>
+          <a:lnRef idx="2">
+            <a:schemeClr val="accent2">
+              <a:shade val="50000"/>
+            </a:schemeClr>
+          </a:lnRef>
+          <a:fillRef idx="1">
+            <a:schemeClr val="accent2"/>
+          </a:fillRef>
+          <a:effectRef idx="0">
+            <a:schemeClr val="accent2"/>
+          </a:effectRef>
+          <a:fontRef idx="minor">
+            <a:schemeClr val="lt1"/>
+          </a:fontRef>
+        </p:style>
+        <p:txBody>
+          <a:bodyPr rtlCol="0" anchor="ctr"/>
+          <a:lstStyle/>
+          <a:p>
+            <a:pPr algn="ctr"/>
+            <a:r>
+              <a:rPr lang="fr-FR" sz="1050" b="1" dirty="0" smtClean="0"/>
+              <a:t>Etudiants</a:t>
+            </a:r>
+            <a:endParaRPr lang="fr-FR" sz="900" b="1" dirty="0"/>
+          </a:p>
+        </p:txBody>
+      </p:sp>
+      <p:sp>
+        <p:nvSpPr>
+          <p:cNvPr id="9" name="ZoneTexte 8"/>
+          <p:cNvSpPr txBox="1"/>
+          <p:nvPr/>
+        </p:nvSpPr>
+        <p:spPr>
+          <a:xfrm>
+            <a:off x="587009" y="297981"/>
+            <a:ext cx="7776864" cy="707886"/>
+          </a:xfrm>
+          <a:prstGeom prst="rect">
+            <a:avLst/>
+          </a:prstGeom>
+          <a:noFill/>
+        </p:spPr>
+        <p:txBody>
+          <a:bodyPr wrap="square" rtlCol="0">
+            <a:spAutoFit/>
+          </a:bodyPr>
+          <a:lstStyle/>
+          <a:p>
+            <a:pPr algn="ctr"/>
+            <a:r>
+              <a:rPr lang="fr-FR" sz="4000" dirty="0" err="1" smtClean="0"/>
+              <a:t>Storyboard</a:t>
+            </a:r>
+            <a:r>
+              <a:rPr lang="fr-FR" sz="4000" dirty="0" smtClean="0"/>
+              <a:t> - Général</a:t>
+            </a:r>
+            <a:endParaRPr lang="fr-FR" sz="4000" dirty="0"/>
+          </a:p>
+        </p:txBody>
+      </p:sp>
+      <p:grpSp>
+        <p:nvGrpSpPr>
+          <p:cNvPr id="14" name="Groupe 13"/>
+          <p:cNvGrpSpPr/>
+          <p:nvPr/>
+        </p:nvGrpSpPr>
+        <p:grpSpPr>
+          <a:xfrm>
+            <a:off x="4475441" y="1100198"/>
+            <a:ext cx="2035600" cy="2212872"/>
+            <a:chOff x="1944949" y="1052885"/>
+            <a:chExt cx="5328592" cy="5472608"/>
+          </a:xfrm>
+        </p:grpSpPr>
+        <p:sp>
+          <p:nvSpPr>
+            <p:cNvPr id="15" name="Rectangle 14"/>
+            <p:cNvSpPr/>
+            <p:nvPr/>
+          </p:nvSpPr>
+          <p:spPr>
+            <a:xfrm>
+              <a:off x="1944949" y="1052885"/>
+              <a:ext cx="5328592" cy="5472608"/>
+            </a:xfrm>
+            <a:prstGeom prst="rect">
+              <a:avLst/>
+            </a:prstGeom>
+          </p:spPr>
+          <p:style>
+            <a:lnRef idx="2">
+              <a:schemeClr val="accent2"/>
+            </a:lnRef>
+            <a:fillRef idx="1">
+              <a:schemeClr val="lt1"/>
+            </a:fillRef>
+            <a:effectRef idx="0">
+              <a:schemeClr val="accent2"/>
+            </a:effectRef>
+            <a:fontRef idx="minor">
+              <a:schemeClr val="dk1"/>
+            </a:fontRef>
+          </p:style>
+          <p:txBody>
+            <a:bodyPr rtlCol="0" anchor="ctr"/>
+            <a:lstStyle/>
+            <a:p>
+              <a:pPr algn="ctr"/>
+              <a:endParaRPr lang="fr-FR"/>
+            </a:p>
+          </p:txBody>
+        </p:sp>
+        <p:sp>
+          <p:nvSpPr>
+            <p:cNvPr id="16" name="ZoneTexte 15"/>
+            <p:cNvSpPr txBox="1"/>
+            <p:nvPr/>
+          </p:nvSpPr>
+          <p:spPr>
+            <a:xfrm>
+              <a:off x="2133442" y="1250430"/>
+              <a:ext cx="5140099" cy="608924"/>
+            </a:xfrm>
+            <a:prstGeom prst="rect">
+              <a:avLst/>
+            </a:prstGeom>
+            <a:noFill/>
+          </p:spPr>
+          <p:txBody>
+            <a:bodyPr wrap="square" rtlCol="0">
+              <a:spAutoFit/>
+            </a:bodyPr>
+            <a:lstStyle/>
+            <a:p>
+              <a:pPr algn="ctr"/>
+              <a:r>
+                <a:rPr lang="fr-FR" sz="1000" b="1" dirty="0" smtClean="0"/>
+                <a:t>Page d’authentification étudiant</a:t>
+              </a:r>
+              <a:endParaRPr lang="fr-FR" sz="1000" b="1" dirty="0"/>
+            </a:p>
+          </p:txBody>
+        </p:sp>
+        <p:sp>
+          <p:nvSpPr>
+            <p:cNvPr id="17" name="Rectangle 16"/>
+            <p:cNvSpPr/>
+            <p:nvPr/>
+          </p:nvSpPr>
+          <p:spPr>
+            <a:xfrm>
+              <a:off x="2413201" y="2132856"/>
+              <a:ext cx="4392488" cy="576064"/>
+            </a:xfrm>
+            <a:prstGeom prst="rect">
+              <a:avLst/>
+            </a:prstGeom>
+            <a:ln w="19050">
+              <a:solidFill>
+                <a:schemeClr val="tx1"/>
+              </a:solidFill>
+            </a:ln>
+          </p:spPr>
+          <p:style>
+            <a:lnRef idx="2">
+              <a:schemeClr val="accent6"/>
+            </a:lnRef>
+            <a:fillRef idx="1">
+              <a:schemeClr val="lt1"/>
+            </a:fillRef>
+            <a:effectRef idx="0">
+              <a:schemeClr val="accent6"/>
+            </a:effectRef>
+            <a:fontRef idx="minor">
+              <a:schemeClr val="dk1"/>
+            </a:fontRef>
+          </p:style>
+          <p:txBody>
+            <a:bodyPr rtlCol="0" anchor="ctr"/>
+            <a:lstStyle/>
+            <a:p>
+              <a:pPr algn="ctr"/>
+              <a:r>
+                <a:rPr lang="fr-FR" sz="1100" dirty="0" smtClean="0"/>
+                <a:t>Nom d’utilisateur</a:t>
+              </a:r>
+              <a:endParaRPr lang="fr-FR" sz="1100" dirty="0"/>
+            </a:p>
+          </p:txBody>
+        </p:sp>
+        <p:sp>
+          <p:nvSpPr>
+            <p:cNvPr id="18" name="Rectangle 17"/>
+            <p:cNvSpPr/>
+            <p:nvPr/>
+          </p:nvSpPr>
+          <p:spPr>
+            <a:xfrm>
+              <a:off x="2413201" y="3356992"/>
+              <a:ext cx="4392488" cy="576064"/>
+            </a:xfrm>
+            <a:prstGeom prst="rect">
+              <a:avLst/>
+            </a:prstGeom>
+            <a:noFill/>
+            <a:ln w="19050">
+              <a:solidFill>
+                <a:schemeClr val="tx1"/>
+              </a:solidFill>
+            </a:ln>
+          </p:spPr>
+          <p:style>
+            <a:lnRef idx="2">
+              <a:schemeClr val="accent1">
+                <a:shade val="50000"/>
+              </a:schemeClr>
+            </a:lnRef>
+            <a:fillRef idx="1">
+              <a:schemeClr val="accent1"/>
+            </a:fillRef>
+            <a:effectRef idx="0">
+              <a:schemeClr val="accent1"/>
+            </a:effectRef>
+            <a:fontRef idx="minor">
+              <a:schemeClr val="lt1"/>
+            </a:fontRef>
+          </p:style>
+          <p:txBody>
+            <a:bodyPr rtlCol="0" anchor="ctr"/>
+            <a:lstStyle/>
+            <a:p>
+              <a:pPr algn="ctr"/>
+              <a:r>
+                <a:rPr lang="fr-FR" sz="1100" dirty="0" smtClean="0">
+                  <a:solidFill>
+                    <a:schemeClr val="tx1"/>
+                  </a:solidFill>
+                </a:rPr>
+                <a:t>Mot de passe</a:t>
+              </a:r>
+              <a:endParaRPr lang="fr-FR" sz="1100" dirty="0">
+                <a:solidFill>
+                  <a:schemeClr val="tx1"/>
+                </a:solidFill>
+              </a:endParaRPr>
+            </a:p>
+          </p:txBody>
+        </p:sp>
+        <p:sp>
+          <p:nvSpPr>
+            <p:cNvPr id="19" name="Rectangle 18"/>
+            <p:cNvSpPr/>
+            <p:nvPr/>
+          </p:nvSpPr>
+          <p:spPr>
+            <a:xfrm>
+              <a:off x="4932042" y="5193196"/>
+              <a:ext cx="1873648" cy="504056"/>
+            </a:xfrm>
+            <a:prstGeom prst="rect">
+              <a:avLst/>
+            </a:prstGeom>
+          </p:spPr>
+          <p:style>
+            <a:lnRef idx="2">
+              <a:schemeClr val="accent2">
+                <a:shade val="50000"/>
+              </a:schemeClr>
+            </a:lnRef>
+            <a:fillRef idx="1">
+              <a:schemeClr val="accent2"/>
+            </a:fillRef>
+            <a:effectRef idx="0">
+              <a:schemeClr val="accent2"/>
+            </a:effectRef>
+            <a:fontRef idx="minor">
+              <a:schemeClr val="lt1"/>
+            </a:fontRef>
+          </p:style>
+          <p:txBody>
+            <a:bodyPr rtlCol="0" anchor="ctr"/>
+            <a:lstStyle/>
+            <a:p>
+              <a:pPr algn="ctr"/>
+              <a:r>
+                <a:rPr lang="fr-FR" sz="1100" b="1" dirty="0" smtClean="0"/>
+                <a:t>OK</a:t>
+              </a:r>
+              <a:endParaRPr lang="fr-FR" sz="1000" b="1" dirty="0"/>
+            </a:p>
+          </p:txBody>
+        </p:sp>
+        <p:sp>
+          <p:nvSpPr>
+            <p:cNvPr id="20" name="ZoneTexte 19"/>
+            <p:cNvSpPr txBox="1"/>
+            <p:nvPr/>
+          </p:nvSpPr>
+          <p:spPr>
+            <a:xfrm>
+              <a:off x="4753461" y="4126991"/>
+              <a:ext cx="2052227" cy="575855"/>
+            </a:xfrm>
+            <a:prstGeom prst="rect">
+              <a:avLst/>
+            </a:prstGeom>
+            <a:noFill/>
+          </p:spPr>
+          <p:txBody>
+            <a:bodyPr wrap="square" rtlCol="0">
+              <a:spAutoFit/>
+            </a:bodyPr>
+            <a:lstStyle/>
+            <a:p>
+              <a:pPr algn="ctr"/>
+              <a:r>
+                <a:rPr lang="fr-FR" sz="700" u="sng" dirty="0" smtClean="0"/>
+                <a:t>Mot de passe oublié ?</a:t>
+              </a:r>
+              <a:endParaRPr lang="fr-FR" sz="700" u="sng" dirty="0"/>
+            </a:p>
+          </p:txBody>
+        </p:sp>
+      </p:grpSp>
+      <p:cxnSp>
+        <p:nvCxnSpPr>
+          <p:cNvPr id="3" name="Connecteur droit avec flèche 2"/>
+          <p:cNvCxnSpPr>
+            <a:stCxn id="8" idx="3"/>
+            <a:endCxn id="15" idx="1"/>
+          </p:cNvCxnSpPr>
+          <p:nvPr/>
+        </p:nvCxnSpPr>
+        <p:spPr>
+          <a:xfrm flipV="1">
+            <a:off x="2675803" y="2206634"/>
+            <a:ext cx="1799638" cy="558537"/>
+          </a:xfrm>
+          <a:prstGeom prst="straightConnector1">
+            <a:avLst/>
+          </a:prstGeom>
+          <a:ln w="28575">
+            <a:solidFill>
+              <a:schemeClr val="tx1"/>
+            </a:solidFill>
+            <a:tailEnd type="arrow"/>
+          </a:ln>
+        </p:spPr>
+        <p:style>
+          <a:lnRef idx="1">
+            <a:schemeClr val="accent1"/>
+          </a:lnRef>
+          <a:fillRef idx="0">
+            <a:schemeClr val="accent1"/>
+          </a:fillRef>
+          <a:effectRef idx="0">
+            <a:schemeClr val="accent1"/>
+          </a:effectRef>
+          <a:fontRef idx="minor">
+            <a:schemeClr val="tx1"/>
+          </a:fontRef>
+        </p:style>
+      </p:cxnSp>
+      <p:grpSp>
+        <p:nvGrpSpPr>
+          <p:cNvPr id="21" name="Groupe 20"/>
+          <p:cNvGrpSpPr/>
+          <p:nvPr/>
+        </p:nvGrpSpPr>
+        <p:grpSpPr>
+          <a:xfrm>
+            <a:off x="4427984" y="3717032"/>
+            <a:ext cx="2448271" cy="2212872"/>
+            <a:chOff x="1820721" y="1052885"/>
+            <a:chExt cx="6408841" cy="5472608"/>
+          </a:xfrm>
+        </p:grpSpPr>
+        <p:sp>
+          <p:nvSpPr>
+            <p:cNvPr id="22" name="Rectangle 21"/>
+            <p:cNvSpPr/>
+            <p:nvPr/>
+          </p:nvSpPr>
+          <p:spPr>
+            <a:xfrm>
+              <a:off x="1944947" y="1052885"/>
+              <a:ext cx="6284615" cy="5472608"/>
+            </a:xfrm>
+            <a:prstGeom prst="rect">
+              <a:avLst/>
+            </a:prstGeom>
+          </p:spPr>
+          <p:style>
+            <a:lnRef idx="2">
+              <a:schemeClr val="accent2"/>
+            </a:lnRef>
+            <a:fillRef idx="1">
+              <a:schemeClr val="lt1"/>
+            </a:fillRef>
+            <a:effectRef idx="0">
+              <a:schemeClr val="accent2"/>
+            </a:effectRef>
+            <a:fontRef idx="minor">
+              <a:schemeClr val="dk1"/>
+            </a:fontRef>
+          </p:style>
+          <p:txBody>
+            <a:bodyPr rtlCol="0" anchor="ctr"/>
+            <a:lstStyle/>
+            <a:p>
+              <a:pPr algn="ctr"/>
+              <a:endParaRPr lang="fr-FR"/>
+            </a:p>
+          </p:txBody>
+        </p:sp>
+        <p:sp>
+          <p:nvSpPr>
+            <p:cNvPr id="23" name="ZoneTexte 22"/>
+            <p:cNvSpPr txBox="1"/>
+            <p:nvPr/>
+          </p:nvSpPr>
+          <p:spPr>
+            <a:xfrm>
+              <a:off x="1820721" y="1250430"/>
+              <a:ext cx="6220348" cy="608924"/>
+            </a:xfrm>
+            <a:prstGeom prst="rect">
+              <a:avLst/>
+            </a:prstGeom>
+            <a:noFill/>
+          </p:spPr>
+          <p:txBody>
+            <a:bodyPr wrap="square" rtlCol="0">
+              <a:spAutoFit/>
+            </a:bodyPr>
+            <a:lstStyle/>
+            <a:p>
+              <a:pPr algn="ctr"/>
+              <a:r>
+                <a:rPr lang="fr-FR" sz="1000" b="1" dirty="0" smtClean="0"/>
+                <a:t>Page d’authentification Administrateur</a:t>
+              </a:r>
+            </a:p>
+          </p:txBody>
+        </p:sp>
+        <p:sp>
+          <p:nvSpPr>
+            <p:cNvPr id="24" name="Rectangle 23"/>
+            <p:cNvSpPr/>
+            <p:nvPr/>
+          </p:nvSpPr>
+          <p:spPr>
+            <a:xfrm>
+              <a:off x="3140189" y="2132856"/>
+              <a:ext cx="4392489" cy="576064"/>
+            </a:xfrm>
+            <a:prstGeom prst="rect">
+              <a:avLst/>
+            </a:prstGeom>
+            <a:ln w="19050">
+              <a:solidFill>
+                <a:schemeClr val="tx1"/>
+              </a:solidFill>
+            </a:ln>
+          </p:spPr>
+          <p:style>
+            <a:lnRef idx="2">
+              <a:schemeClr val="accent6"/>
+            </a:lnRef>
+            <a:fillRef idx="1">
+              <a:schemeClr val="lt1"/>
+            </a:fillRef>
+            <a:effectRef idx="0">
+              <a:schemeClr val="accent6"/>
+            </a:effectRef>
+            <a:fontRef idx="minor">
+              <a:schemeClr val="dk1"/>
+            </a:fontRef>
+          </p:style>
+          <p:txBody>
+            <a:bodyPr rtlCol="0" anchor="ctr"/>
+            <a:lstStyle/>
+            <a:p>
+              <a:pPr algn="ctr"/>
+              <a:r>
+                <a:rPr lang="fr-FR" sz="1100" dirty="0" smtClean="0"/>
+                <a:t>Nom d’utilisateur</a:t>
+              </a:r>
+              <a:endParaRPr lang="fr-FR" sz="1100" dirty="0"/>
+            </a:p>
+          </p:txBody>
+        </p:sp>
+        <p:sp>
+          <p:nvSpPr>
+            <p:cNvPr id="25" name="Rectangle 24"/>
+            <p:cNvSpPr/>
+            <p:nvPr/>
+          </p:nvSpPr>
+          <p:spPr>
+            <a:xfrm>
+              <a:off x="3140189" y="3356991"/>
+              <a:ext cx="4392489" cy="576064"/>
+            </a:xfrm>
+            <a:prstGeom prst="rect">
+              <a:avLst/>
+            </a:prstGeom>
+            <a:noFill/>
+            <a:ln w="19050">
+              <a:solidFill>
+                <a:schemeClr val="tx1"/>
+              </a:solidFill>
+            </a:ln>
+          </p:spPr>
+          <p:style>
+            <a:lnRef idx="2">
+              <a:schemeClr val="accent1">
+                <a:shade val="50000"/>
+              </a:schemeClr>
+            </a:lnRef>
+            <a:fillRef idx="1">
+              <a:schemeClr val="accent1"/>
+            </a:fillRef>
+            <a:effectRef idx="0">
+              <a:schemeClr val="accent1"/>
+            </a:effectRef>
+            <a:fontRef idx="minor">
+              <a:schemeClr val="lt1"/>
+            </a:fontRef>
+          </p:style>
+          <p:txBody>
+            <a:bodyPr rtlCol="0" anchor="ctr"/>
+            <a:lstStyle/>
+            <a:p>
+              <a:pPr algn="ctr"/>
+              <a:r>
+                <a:rPr lang="fr-FR" sz="1100" dirty="0" smtClean="0">
+                  <a:solidFill>
+                    <a:schemeClr val="tx1"/>
+                  </a:solidFill>
+                </a:rPr>
+                <a:t>Mot de passe</a:t>
+              </a:r>
+              <a:endParaRPr lang="fr-FR" sz="1100" dirty="0">
+                <a:solidFill>
+                  <a:schemeClr val="tx1"/>
+                </a:solidFill>
+              </a:endParaRPr>
+            </a:p>
+          </p:txBody>
+        </p:sp>
+        <p:sp>
+          <p:nvSpPr>
+            <p:cNvPr id="26" name="Rectangle 25"/>
+            <p:cNvSpPr/>
+            <p:nvPr/>
+          </p:nvSpPr>
+          <p:spPr>
+            <a:xfrm>
+              <a:off x="5659030" y="5193196"/>
+              <a:ext cx="1873648" cy="504056"/>
+            </a:xfrm>
+            <a:prstGeom prst="rect">
+              <a:avLst/>
+            </a:prstGeom>
+          </p:spPr>
+          <p:style>
+            <a:lnRef idx="2">
+              <a:schemeClr val="accent2">
+                <a:shade val="50000"/>
+              </a:schemeClr>
+            </a:lnRef>
+            <a:fillRef idx="1">
+              <a:schemeClr val="accent2"/>
+            </a:fillRef>
+            <a:effectRef idx="0">
+              <a:schemeClr val="accent2"/>
+            </a:effectRef>
+            <a:fontRef idx="minor">
+              <a:schemeClr val="lt1"/>
+            </a:fontRef>
+          </p:style>
+          <p:txBody>
+            <a:bodyPr rtlCol="0" anchor="ctr"/>
+            <a:lstStyle/>
+            <a:p>
+              <a:pPr algn="ctr"/>
+              <a:r>
+                <a:rPr lang="fr-FR" sz="1100" b="1" dirty="0" smtClean="0"/>
+                <a:t>OK</a:t>
+              </a:r>
+              <a:endParaRPr lang="fr-FR" sz="1000" b="1" dirty="0"/>
+            </a:p>
+          </p:txBody>
+        </p:sp>
+      </p:grpSp>
+      <p:cxnSp>
+        <p:nvCxnSpPr>
+          <p:cNvPr id="28" name="Connecteur droit avec flèche 27"/>
+          <p:cNvCxnSpPr>
+            <a:endCxn id="22" idx="1"/>
+          </p:cNvCxnSpPr>
+          <p:nvPr/>
+        </p:nvCxnSpPr>
+        <p:spPr>
+          <a:xfrm>
+            <a:off x="2675802" y="3124354"/>
+            <a:ext cx="1799638" cy="1699114"/>
+          </a:xfrm>
+          <a:prstGeom prst="straightConnector1">
+            <a:avLst/>
+          </a:prstGeom>
+          <a:ln w="28575">
+            <a:solidFill>
+              <a:schemeClr val="tx1"/>
+            </a:solidFill>
+            <a:tailEnd type="arrow"/>
+          </a:ln>
+        </p:spPr>
+        <p:style>
+          <a:lnRef idx="1">
+            <a:schemeClr val="accent1"/>
+          </a:lnRef>
+          <a:fillRef idx="0">
+            <a:schemeClr val="accent1"/>
+          </a:fillRef>
+          <a:effectRef idx="0">
+            <a:schemeClr val="accent1"/>
+          </a:effectRef>
+          <a:fontRef idx="minor">
+            <a:schemeClr val="tx1"/>
+          </a:fontRef>
+        </p:style>
+      </p:cxnSp>
+    </p:spTree>
+    <p:extLst>
+      <p:ext uri="{BB962C8B-B14F-4D97-AF65-F5344CB8AC3E}">
+        <p14:creationId xmlns:p14="http://schemas.microsoft.com/office/powerpoint/2010/main" val="3519944490"/>
+      </p:ext>
+    </p:extLst>
+  </p:cSld>
+  <p:clrMapOvr>
+    <a:masterClrMapping/>
+  </p:clrMapOvr>
+  <p:timing>
+    <p:tnLst>
+      <p:par>
+        <p:cTn id="1" dur="indefinite" restart="never" nodeType="tmRoot"/>
+      </p:par>
+    </p:tnLst>
+  </p:timing>
+</p:sld>
+</file>
+
+<file path=ppt/slides/slide15.xml><?xml version="1.0" encoding="utf-8"?>
 <p:sld xmlns:a="http://schemas.openxmlformats.org/drawingml/2006/main" xmlns:r="http://schemas.openxmlformats.org/officeDocument/2006/relationships" xmlns:p="http://schemas.openxmlformats.org/presentationml/2006/main">
   <p:cSld>
     <p:spTree>
@@ -7119,6 +8561,754 @@
 </p:sld>
 </file>
 
+<file path=ppt/slides/slide16.xml><?xml version="1.0" encoding="utf-8"?>
+<p:sld xmlns:a="http://schemas.openxmlformats.org/drawingml/2006/main" xmlns:r="http://schemas.openxmlformats.org/officeDocument/2006/relationships" xmlns:p="http://schemas.openxmlformats.org/presentationml/2006/main">
+  <p:cSld>
+    <p:spTree>
+      <p:nvGrpSpPr>
+        <p:cNvPr id="1" name=""/>
+        <p:cNvGrpSpPr/>
+        <p:nvPr/>
+      </p:nvGrpSpPr>
+      <p:grpSpPr>
+        <a:xfrm>
+          <a:off x="0" y="0"/>
+          <a:ext cx="0" cy="0"/>
+          <a:chOff x="0" y="0"/>
+          <a:chExt cx="0" cy="0"/>
+        </a:xfrm>
+      </p:grpSpPr>
+      <p:sp>
+        <p:nvSpPr>
+          <p:cNvPr id="4" name="ZoneTexte 3"/>
+          <p:cNvSpPr txBox="1"/>
+          <p:nvPr/>
+        </p:nvSpPr>
+        <p:spPr>
+          <a:xfrm>
+            <a:off x="971600" y="79573"/>
+            <a:ext cx="6588732" cy="523220"/>
+          </a:xfrm>
+          <a:prstGeom prst="rect">
+            <a:avLst/>
+          </a:prstGeom>
+          <a:noFill/>
+        </p:spPr>
+        <p:txBody>
+          <a:bodyPr wrap="square" rtlCol="0">
+            <a:spAutoFit/>
+          </a:bodyPr>
+          <a:lstStyle/>
+          <a:p>
+            <a:pPr algn="ctr"/>
+            <a:r>
+              <a:rPr lang="fr-FR" sz="2800" dirty="0" err="1" smtClean="0"/>
+              <a:t>Storyboard</a:t>
+            </a:r>
+            <a:r>
+              <a:rPr lang="fr-FR" sz="2800" dirty="0" smtClean="0"/>
+              <a:t> - Administrateur</a:t>
+            </a:r>
+            <a:endParaRPr lang="fr-FR" sz="2800" dirty="0"/>
+          </a:p>
+        </p:txBody>
+      </p:sp>
+      <p:grpSp>
+        <p:nvGrpSpPr>
+          <p:cNvPr id="3" name="Groupe 2"/>
+          <p:cNvGrpSpPr/>
+          <p:nvPr/>
+        </p:nvGrpSpPr>
+        <p:grpSpPr>
+          <a:xfrm>
+            <a:off x="2070215" y="1299555"/>
+            <a:ext cx="2448271" cy="2212872"/>
+            <a:chOff x="1820721" y="1052885"/>
+            <a:chExt cx="6408841" cy="5472608"/>
+          </a:xfrm>
+        </p:grpSpPr>
+        <p:sp>
+          <p:nvSpPr>
+            <p:cNvPr id="5" name="Rectangle 4"/>
+            <p:cNvSpPr/>
+            <p:nvPr/>
+          </p:nvSpPr>
+          <p:spPr>
+            <a:xfrm>
+              <a:off x="1944947" y="1052885"/>
+              <a:ext cx="6284615" cy="5472608"/>
+            </a:xfrm>
+            <a:prstGeom prst="rect">
+              <a:avLst/>
+            </a:prstGeom>
+          </p:spPr>
+          <p:style>
+            <a:lnRef idx="2">
+              <a:schemeClr val="accent2"/>
+            </a:lnRef>
+            <a:fillRef idx="1">
+              <a:schemeClr val="lt1"/>
+            </a:fillRef>
+            <a:effectRef idx="0">
+              <a:schemeClr val="accent2"/>
+            </a:effectRef>
+            <a:fontRef idx="minor">
+              <a:schemeClr val="dk1"/>
+            </a:fontRef>
+          </p:style>
+          <p:txBody>
+            <a:bodyPr rtlCol="0" anchor="ctr"/>
+            <a:lstStyle/>
+            <a:p>
+              <a:pPr algn="ctr"/>
+              <a:endParaRPr lang="fr-FR"/>
+            </a:p>
+          </p:txBody>
+        </p:sp>
+        <p:sp>
+          <p:nvSpPr>
+            <p:cNvPr id="6" name="ZoneTexte 5"/>
+            <p:cNvSpPr txBox="1"/>
+            <p:nvPr/>
+          </p:nvSpPr>
+          <p:spPr>
+            <a:xfrm>
+              <a:off x="1820721" y="1250430"/>
+              <a:ext cx="6220348" cy="608924"/>
+            </a:xfrm>
+            <a:prstGeom prst="rect">
+              <a:avLst/>
+            </a:prstGeom>
+            <a:noFill/>
+          </p:spPr>
+          <p:txBody>
+            <a:bodyPr wrap="square" rtlCol="0">
+              <a:spAutoFit/>
+            </a:bodyPr>
+            <a:lstStyle/>
+            <a:p>
+              <a:pPr algn="ctr"/>
+              <a:r>
+                <a:rPr lang="fr-FR" sz="1000" b="1" dirty="0" smtClean="0"/>
+                <a:t>Page d’authentification Administrateur</a:t>
+              </a:r>
+            </a:p>
+          </p:txBody>
+        </p:sp>
+        <p:sp>
+          <p:nvSpPr>
+            <p:cNvPr id="7" name="Rectangle 6"/>
+            <p:cNvSpPr/>
+            <p:nvPr/>
+          </p:nvSpPr>
+          <p:spPr>
+            <a:xfrm>
+              <a:off x="3140189" y="2132856"/>
+              <a:ext cx="4392489" cy="576064"/>
+            </a:xfrm>
+            <a:prstGeom prst="rect">
+              <a:avLst/>
+            </a:prstGeom>
+            <a:ln w="19050">
+              <a:solidFill>
+                <a:schemeClr val="tx1"/>
+              </a:solidFill>
+            </a:ln>
+          </p:spPr>
+          <p:style>
+            <a:lnRef idx="2">
+              <a:schemeClr val="accent6"/>
+            </a:lnRef>
+            <a:fillRef idx="1">
+              <a:schemeClr val="lt1"/>
+            </a:fillRef>
+            <a:effectRef idx="0">
+              <a:schemeClr val="accent6"/>
+            </a:effectRef>
+            <a:fontRef idx="minor">
+              <a:schemeClr val="dk1"/>
+            </a:fontRef>
+          </p:style>
+          <p:txBody>
+            <a:bodyPr rtlCol="0" anchor="ctr"/>
+            <a:lstStyle/>
+            <a:p>
+              <a:pPr algn="ctr"/>
+              <a:r>
+                <a:rPr lang="fr-FR" sz="1100" dirty="0" smtClean="0"/>
+                <a:t>Nom d’utilisateur</a:t>
+              </a:r>
+              <a:endParaRPr lang="fr-FR" sz="1100" dirty="0"/>
+            </a:p>
+          </p:txBody>
+        </p:sp>
+        <p:sp>
+          <p:nvSpPr>
+            <p:cNvPr id="8" name="Rectangle 7"/>
+            <p:cNvSpPr/>
+            <p:nvPr/>
+          </p:nvSpPr>
+          <p:spPr>
+            <a:xfrm>
+              <a:off x="3140189" y="3356991"/>
+              <a:ext cx="4392489" cy="576064"/>
+            </a:xfrm>
+            <a:prstGeom prst="rect">
+              <a:avLst/>
+            </a:prstGeom>
+            <a:noFill/>
+            <a:ln w="19050">
+              <a:solidFill>
+                <a:schemeClr val="tx1"/>
+              </a:solidFill>
+            </a:ln>
+          </p:spPr>
+          <p:style>
+            <a:lnRef idx="2">
+              <a:schemeClr val="accent1">
+                <a:shade val="50000"/>
+              </a:schemeClr>
+            </a:lnRef>
+            <a:fillRef idx="1">
+              <a:schemeClr val="accent1"/>
+            </a:fillRef>
+            <a:effectRef idx="0">
+              <a:schemeClr val="accent1"/>
+            </a:effectRef>
+            <a:fontRef idx="minor">
+              <a:schemeClr val="lt1"/>
+            </a:fontRef>
+          </p:style>
+          <p:txBody>
+            <a:bodyPr rtlCol="0" anchor="ctr"/>
+            <a:lstStyle/>
+            <a:p>
+              <a:pPr algn="ctr"/>
+              <a:r>
+                <a:rPr lang="fr-FR" sz="1100" dirty="0" smtClean="0">
+                  <a:solidFill>
+                    <a:schemeClr val="tx1"/>
+                  </a:solidFill>
+                </a:rPr>
+                <a:t>Mot de passe</a:t>
+              </a:r>
+              <a:endParaRPr lang="fr-FR" sz="1100" dirty="0">
+                <a:solidFill>
+                  <a:schemeClr val="tx1"/>
+                </a:solidFill>
+              </a:endParaRPr>
+            </a:p>
+          </p:txBody>
+        </p:sp>
+        <p:sp>
+          <p:nvSpPr>
+            <p:cNvPr id="9" name="Rectangle 8"/>
+            <p:cNvSpPr/>
+            <p:nvPr/>
+          </p:nvSpPr>
+          <p:spPr>
+            <a:xfrm>
+              <a:off x="5659030" y="5193196"/>
+              <a:ext cx="1873648" cy="504056"/>
+            </a:xfrm>
+            <a:prstGeom prst="rect">
+              <a:avLst/>
+            </a:prstGeom>
+          </p:spPr>
+          <p:style>
+            <a:lnRef idx="2">
+              <a:schemeClr val="accent2">
+                <a:shade val="50000"/>
+              </a:schemeClr>
+            </a:lnRef>
+            <a:fillRef idx="1">
+              <a:schemeClr val="accent2"/>
+            </a:fillRef>
+            <a:effectRef idx="0">
+              <a:schemeClr val="accent2"/>
+            </a:effectRef>
+            <a:fontRef idx="minor">
+              <a:schemeClr val="lt1"/>
+            </a:fontRef>
+          </p:style>
+          <p:txBody>
+            <a:bodyPr rtlCol="0" anchor="ctr"/>
+            <a:lstStyle/>
+            <a:p>
+              <a:pPr algn="ctr"/>
+              <a:r>
+                <a:rPr lang="fr-FR" sz="1100" b="1" dirty="0" smtClean="0"/>
+                <a:t>OK</a:t>
+              </a:r>
+              <a:endParaRPr lang="fr-FR" sz="1000" b="1" dirty="0"/>
+            </a:p>
+          </p:txBody>
+        </p:sp>
+      </p:grpSp>
+      <p:sp>
+        <p:nvSpPr>
+          <p:cNvPr id="13" name="ZoneTexte 12"/>
+          <p:cNvSpPr txBox="1"/>
+          <p:nvPr/>
+        </p:nvSpPr>
+        <p:spPr>
+          <a:xfrm>
+            <a:off x="6462703" y="1902598"/>
+            <a:ext cx="2196244" cy="253916"/>
+          </a:xfrm>
+          <a:prstGeom prst="rect">
+            <a:avLst/>
+          </a:prstGeom>
+          <a:noFill/>
+        </p:spPr>
+        <p:txBody>
+          <a:bodyPr wrap="square" rtlCol="0">
+            <a:spAutoFit/>
+          </a:bodyPr>
+          <a:lstStyle/>
+          <a:p>
+            <a:r>
+              <a:rPr lang="fr-FR" sz="1050" b="1" dirty="0" smtClean="0"/>
+              <a:t>Modifier une note</a:t>
+            </a:r>
+            <a:endParaRPr lang="fr-FR" sz="1050" b="1" dirty="0"/>
+          </a:p>
+        </p:txBody>
+      </p:sp>
+      <p:sp>
+        <p:nvSpPr>
+          <p:cNvPr id="25" name="ZoneTexte 24"/>
+          <p:cNvSpPr txBox="1"/>
+          <p:nvPr/>
+        </p:nvSpPr>
+        <p:spPr>
+          <a:xfrm>
+            <a:off x="6462703" y="2252912"/>
+            <a:ext cx="2196244" cy="253916"/>
+          </a:xfrm>
+          <a:prstGeom prst="rect">
+            <a:avLst/>
+          </a:prstGeom>
+          <a:noFill/>
+        </p:spPr>
+        <p:txBody>
+          <a:bodyPr wrap="square" rtlCol="0">
+            <a:spAutoFit/>
+          </a:bodyPr>
+          <a:lstStyle/>
+          <a:p>
+            <a:r>
+              <a:rPr lang="fr-FR" sz="1050" b="1" dirty="0" smtClean="0"/>
+              <a:t>Saisir un élève</a:t>
+            </a:r>
+            <a:endParaRPr lang="fr-FR" sz="1050" b="1" dirty="0"/>
+          </a:p>
+        </p:txBody>
+      </p:sp>
+      <p:sp>
+        <p:nvSpPr>
+          <p:cNvPr id="26" name="ZoneTexte 25"/>
+          <p:cNvSpPr txBox="1"/>
+          <p:nvPr/>
+        </p:nvSpPr>
+        <p:spPr>
+          <a:xfrm>
+            <a:off x="6476375" y="2624641"/>
+            <a:ext cx="2196244" cy="253916"/>
+          </a:xfrm>
+          <a:prstGeom prst="rect">
+            <a:avLst/>
+          </a:prstGeom>
+          <a:noFill/>
+        </p:spPr>
+        <p:txBody>
+          <a:bodyPr wrap="square" rtlCol="0">
+            <a:spAutoFit/>
+          </a:bodyPr>
+          <a:lstStyle/>
+          <a:p>
+            <a:r>
+              <a:rPr lang="fr-FR" sz="1050" b="1" dirty="0" smtClean="0"/>
+              <a:t>Saisir une matière</a:t>
+            </a:r>
+            <a:endParaRPr lang="fr-FR" sz="1050" b="1" dirty="0"/>
+          </a:p>
+        </p:txBody>
+      </p:sp>
+      <p:cxnSp>
+        <p:nvCxnSpPr>
+          <p:cNvPr id="27" name="Connecteur droit avec flèche 26"/>
+          <p:cNvCxnSpPr>
+            <a:stCxn id="5" idx="3"/>
+          </p:cNvCxnSpPr>
+          <p:nvPr/>
+        </p:nvCxnSpPr>
+        <p:spPr>
+          <a:xfrm flipV="1">
+            <a:off x="4518486" y="2029556"/>
+            <a:ext cx="1930545" cy="376435"/>
+          </a:xfrm>
+          <a:prstGeom prst="straightConnector1">
+            <a:avLst/>
+          </a:prstGeom>
+          <a:ln w="19050">
+            <a:solidFill>
+              <a:schemeClr val="tx1"/>
+            </a:solidFill>
+            <a:tailEnd type="arrow"/>
+          </a:ln>
+        </p:spPr>
+        <p:style>
+          <a:lnRef idx="1">
+            <a:schemeClr val="dk1"/>
+          </a:lnRef>
+          <a:fillRef idx="0">
+            <a:schemeClr val="dk1"/>
+          </a:fillRef>
+          <a:effectRef idx="0">
+            <a:schemeClr val="dk1"/>
+          </a:effectRef>
+          <a:fontRef idx="minor">
+            <a:schemeClr val="tx1"/>
+          </a:fontRef>
+        </p:style>
+      </p:cxnSp>
+      <p:cxnSp>
+        <p:nvCxnSpPr>
+          <p:cNvPr id="28" name="Connecteur droit avec flèche 27"/>
+          <p:cNvCxnSpPr>
+            <a:stCxn id="5" idx="3"/>
+          </p:cNvCxnSpPr>
+          <p:nvPr/>
+        </p:nvCxnSpPr>
+        <p:spPr>
+          <a:xfrm flipV="1">
+            <a:off x="4518486" y="2379870"/>
+            <a:ext cx="1930545" cy="26121"/>
+          </a:xfrm>
+          <a:prstGeom prst="straightConnector1">
+            <a:avLst/>
+          </a:prstGeom>
+          <a:ln w="19050">
+            <a:solidFill>
+              <a:schemeClr val="tx1"/>
+            </a:solidFill>
+            <a:tailEnd type="arrow"/>
+          </a:ln>
+        </p:spPr>
+        <p:style>
+          <a:lnRef idx="1">
+            <a:schemeClr val="dk1"/>
+          </a:lnRef>
+          <a:fillRef idx="0">
+            <a:schemeClr val="dk1"/>
+          </a:fillRef>
+          <a:effectRef idx="0">
+            <a:schemeClr val="dk1"/>
+          </a:effectRef>
+          <a:fontRef idx="minor">
+            <a:schemeClr val="tx1"/>
+          </a:fontRef>
+        </p:style>
+      </p:cxnSp>
+      <p:cxnSp>
+        <p:nvCxnSpPr>
+          <p:cNvPr id="30" name="Connecteur droit avec flèche 29"/>
+          <p:cNvCxnSpPr>
+            <a:stCxn id="5" idx="3"/>
+          </p:cNvCxnSpPr>
+          <p:nvPr/>
+        </p:nvCxnSpPr>
+        <p:spPr>
+          <a:xfrm>
+            <a:off x="4518486" y="2405991"/>
+            <a:ext cx="1944217" cy="345608"/>
+          </a:xfrm>
+          <a:prstGeom prst="straightConnector1">
+            <a:avLst/>
+          </a:prstGeom>
+          <a:ln w="19050">
+            <a:solidFill>
+              <a:schemeClr val="tx1"/>
+            </a:solidFill>
+            <a:tailEnd type="arrow"/>
+          </a:ln>
+        </p:spPr>
+        <p:style>
+          <a:lnRef idx="1">
+            <a:schemeClr val="dk1"/>
+          </a:lnRef>
+          <a:fillRef idx="0">
+            <a:schemeClr val="dk1"/>
+          </a:fillRef>
+          <a:effectRef idx="0">
+            <a:schemeClr val="dk1"/>
+          </a:effectRef>
+          <a:fontRef idx="minor">
+            <a:schemeClr val="tx1"/>
+          </a:fontRef>
+        </p:style>
+      </p:cxnSp>
+      <p:sp>
+        <p:nvSpPr>
+          <p:cNvPr id="34" name="ZoneTexte 33"/>
+          <p:cNvSpPr txBox="1"/>
+          <p:nvPr/>
+        </p:nvSpPr>
+        <p:spPr>
+          <a:xfrm>
+            <a:off x="4662503" y="1752557"/>
+            <a:ext cx="1786528" cy="276999"/>
+          </a:xfrm>
+          <a:prstGeom prst="rect">
+            <a:avLst/>
+          </a:prstGeom>
+          <a:noFill/>
+        </p:spPr>
+        <p:txBody>
+          <a:bodyPr wrap="square" rtlCol="0">
+            <a:spAutoFit/>
+          </a:bodyPr>
+          <a:lstStyle/>
+          <a:p>
+            <a:r>
+              <a:rPr lang="fr-FR" sz="1200" dirty="0" smtClean="0"/>
+              <a:t>Identifiants correctes</a:t>
+            </a:r>
+            <a:endParaRPr lang="fr-FR" sz="1200" dirty="0"/>
+          </a:p>
+        </p:txBody>
+      </p:sp>
+      <p:sp>
+        <p:nvSpPr>
+          <p:cNvPr id="35" name="ZoneTexte 34"/>
+          <p:cNvSpPr txBox="1"/>
+          <p:nvPr/>
+        </p:nvSpPr>
+        <p:spPr>
+          <a:xfrm>
+            <a:off x="2010313" y="3639662"/>
+            <a:ext cx="1035886" cy="461665"/>
+          </a:xfrm>
+          <a:prstGeom prst="rect">
+            <a:avLst/>
+          </a:prstGeom>
+          <a:noFill/>
+        </p:spPr>
+        <p:txBody>
+          <a:bodyPr wrap="square" rtlCol="0">
+            <a:spAutoFit/>
+          </a:bodyPr>
+          <a:lstStyle/>
+          <a:p>
+            <a:r>
+              <a:rPr lang="fr-FR" sz="1200" dirty="0" smtClean="0"/>
+              <a:t>Identifiants </a:t>
+            </a:r>
+            <a:br>
+              <a:rPr lang="fr-FR" sz="1200" dirty="0" smtClean="0"/>
+            </a:br>
+            <a:r>
+              <a:rPr lang="fr-FR" sz="1200" dirty="0" smtClean="0"/>
+              <a:t>erronés</a:t>
+            </a:r>
+            <a:endParaRPr lang="fr-FR" sz="1200" dirty="0"/>
+          </a:p>
+        </p:txBody>
+      </p:sp>
+      <p:grpSp>
+        <p:nvGrpSpPr>
+          <p:cNvPr id="36" name="Groupe 35"/>
+          <p:cNvGrpSpPr/>
+          <p:nvPr/>
+        </p:nvGrpSpPr>
+        <p:grpSpPr>
+          <a:xfrm>
+            <a:off x="2411749" y="4267112"/>
+            <a:ext cx="2003038" cy="1800200"/>
+            <a:chOff x="1849086" y="2265480"/>
+            <a:chExt cx="5328592" cy="5472608"/>
+          </a:xfrm>
+        </p:grpSpPr>
+        <p:sp>
+          <p:nvSpPr>
+            <p:cNvPr id="37" name="Rectangle 36"/>
+            <p:cNvSpPr/>
+            <p:nvPr/>
+          </p:nvSpPr>
+          <p:spPr>
+            <a:xfrm>
+              <a:off x="1849086" y="2265480"/>
+              <a:ext cx="5328592" cy="5472608"/>
+            </a:xfrm>
+            <a:prstGeom prst="rect">
+              <a:avLst/>
+            </a:prstGeom>
+          </p:spPr>
+          <p:style>
+            <a:lnRef idx="2">
+              <a:schemeClr val="accent2"/>
+            </a:lnRef>
+            <a:fillRef idx="1">
+              <a:schemeClr val="lt1"/>
+            </a:fillRef>
+            <a:effectRef idx="0">
+              <a:schemeClr val="accent2"/>
+            </a:effectRef>
+            <a:fontRef idx="minor">
+              <a:schemeClr val="dk1"/>
+            </a:fontRef>
+          </p:style>
+          <p:txBody>
+            <a:bodyPr rtlCol="0" anchor="ctr"/>
+            <a:lstStyle/>
+            <a:p>
+              <a:pPr algn="ctr"/>
+              <a:endParaRPr lang="fr-FR"/>
+            </a:p>
+          </p:txBody>
+        </p:sp>
+        <p:sp>
+          <p:nvSpPr>
+            <p:cNvPr id="38" name="ZoneTexte 37"/>
+            <p:cNvSpPr txBox="1"/>
+            <p:nvPr/>
+          </p:nvSpPr>
+          <p:spPr>
+            <a:xfrm>
+              <a:off x="2208782" y="2522366"/>
+              <a:ext cx="4392488" cy="701729"/>
+            </a:xfrm>
+            <a:prstGeom prst="rect">
+              <a:avLst/>
+            </a:prstGeom>
+            <a:noFill/>
+          </p:spPr>
+          <p:txBody>
+            <a:bodyPr wrap="square" rtlCol="0">
+              <a:spAutoFit/>
+            </a:bodyPr>
+            <a:lstStyle/>
+            <a:p>
+              <a:pPr algn="ctr"/>
+              <a:r>
+                <a:rPr lang="fr-FR" sz="900" b="1" dirty="0" smtClean="0"/>
+                <a:t>Page erreur Authentification</a:t>
+              </a:r>
+              <a:endParaRPr lang="fr-FR" sz="900" b="1" dirty="0"/>
+            </a:p>
+          </p:txBody>
+        </p:sp>
+        <p:sp>
+          <p:nvSpPr>
+            <p:cNvPr id="39" name="ZoneTexte 38"/>
+            <p:cNvSpPr txBox="1"/>
+            <p:nvPr/>
+          </p:nvSpPr>
+          <p:spPr>
+            <a:xfrm>
+              <a:off x="2245648" y="3709316"/>
+              <a:ext cx="4535062" cy="738665"/>
+            </a:xfrm>
+            <a:prstGeom prst="rect">
+              <a:avLst/>
+            </a:prstGeom>
+            <a:noFill/>
+          </p:spPr>
+          <p:txBody>
+            <a:bodyPr wrap="square" rtlCol="0">
+              <a:spAutoFit/>
+            </a:bodyPr>
+            <a:lstStyle/>
+            <a:p>
+              <a:r>
+                <a:rPr lang="fr-FR" sz="1050" dirty="0" smtClean="0"/>
+                <a:t>Désolé, le nom d’utilisateur ou mot de passe est incorrecte.</a:t>
+              </a:r>
+              <a:br>
+                <a:rPr lang="fr-FR" sz="1050" dirty="0" smtClean="0"/>
+              </a:br>
+              <a:r>
+                <a:rPr lang="fr-FR" sz="1050" dirty="0" smtClean="0"/>
+                <a:t/>
+              </a:r>
+              <a:br>
+                <a:rPr lang="fr-FR" sz="1050" dirty="0" smtClean="0"/>
+              </a:br>
+              <a:r>
+                <a:rPr lang="fr-FR" sz="1050" u="sng" dirty="0" smtClean="0"/>
+                <a:t>Veuillez retourner au formulaire</a:t>
+              </a:r>
+              <a:r>
+                <a:rPr lang="fr-FR" sz="1050" dirty="0" smtClean="0"/>
+                <a:t/>
+              </a:r>
+              <a:br>
+                <a:rPr lang="fr-FR" sz="1050" dirty="0" smtClean="0"/>
+              </a:br>
+              <a:endParaRPr lang="fr-FR" sz="1050" dirty="0"/>
+            </a:p>
+          </p:txBody>
+        </p:sp>
+      </p:grpSp>
+      <p:cxnSp>
+        <p:nvCxnSpPr>
+          <p:cNvPr id="42" name="Connecteur droit avec flèche 41"/>
+          <p:cNvCxnSpPr>
+            <a:endCxn id="37" idx="0"/>
+          </p:cNvCxnSpPr>
+          <p:nvPr/>
+        </p:nvCxnSpPr>
+        <p:spPr>
+          <a:xfrm>
+            <a:off x="3333320" y="3540239"/>
+            <a:ext cx="79948" cy="726873"/>
+          </a:xfrm>
+          <a:prstGeom prst="straightConnector1">
+            <a:avLst/>
+          </a:prstGeom>
+          <a:ln w="19050">
+            <a:solidFill>
+              <a:schemeClr val="tx1"/>
+            </a:solidFill>
+            <a:tailEnd type="arrow"/>
+          </a:ln>
+        </p:spPr>
+        <p:style>
+          <a:lnRef idx="1">
+            <a:schemeClr val="dk1"/>
+          </a:lnRef>
+          <a:fillRef idx="0">
+            <a:schemeClr val="dk1"/>
+          </a:fillRef>
+          <a:effectRef idx="0">
+            <a:schemeClr val="dk1"/>
+          </a:effectRef>
+          <a:fontRef idx="minor">
+            <a:schemeClr val="tx1"/>
+          </a:fontRef>
+        </p:style>
+      </p:cxnSp>
+    </p:spTree>
+    <p:extLst>
+      <p:ext uri="{BB962C8B-B14F-4D97-AF65-F5344CB8AC3E}">
+        <p14:creationId xmlns:p14="http://schemas.microsoft.com/office/powerpoint/2010/main" val="1861120589"/>
+      </p:ext>
+    </p:extLst>
+  </p:cSld>
+  <p:clrMapOvr>
+    <a:masterClrMapping/>
+  </p:clrMapOvr>
+  <p:timing>
+    <p:tnLst>
+      <p:par>
+        <p:cTn id="1" dur="indefinite" restart="never" nodeType="tmRoot"/>
+      </p:par>
+    </p:tnLst>
+  </p:timing>
+</p:sld>
+</file>
+
 <file path=ppt/slides/slide2.xml><?xml version="1.0" encoding="utf-8"?>
 <p:sld xmlns:a="http://schemas.openxmlformats.org/drawingml/2006/main" xmlns:r="http://schemas.openxmlformats.org/officeDocument/2006/relationships" xmlns:p="http://schemas.openxmlformats.org/presentationml/2006/main">
   <p:cSld>
@@ -7256,6 +9446,321 @@
 </file>
 
 <file path=ppt/slides/slide3.xml><?xml version="1.0" encoding="utf-8"?>
+<p:sld xmlns:a="http://schemas.openxmlformats.org/drawingml/2006/main" xmlns:r="http://schemas.openxmlformats.org/officeDocument/2006/relationships" xmlns:p="http://schemas.openxmlformats.org/presentationml/2006/main">
+  <p:cSld>
+    <p:spTree>
+      <p:nvGrpSpPr>
+        <p:cNvPr id="1" name=""/>
+        <p:cNvGrpSpPr/>
+        <p:nvPr/>
+      </p:nvGrpSpPr>
+      <p:grpSpPr>
+        <a:xfrm>
+          <a:off x="0" y="0"/>
+          <a:ext cx="0" cy="0"/>
+          <a:chOff x="0" y="0"/>
+          <a:chExt cx="0" cy="0"/>
+        </a:xfrm>
+      </p:grpSpPr>
+      <p:sp>
+        <p:nvSpPr>
+          <p:cNvPr id="4" name="ZoneTexte 3"/>
+          <p:cNvSpPr txBox="1"/>
+          <p:nvPr/>
+        </p:nvSpPr>
+        <p:spPr>
+          <a:xfrm>
+            <a:off x="602564" y="116632"/>
+            <a:ext cx="7776864" cy="707886"/>
+          </a:xfrm>
+          <a:prstGeom prst="rect">
+            <a:avLst/>
+          </a:prstGeom>
+          <a:noFill/>
+        </p:spPr>
+        <p:txBody>
+          <a:bodyPr wrap="square" rtlCol="0">
+            <a:spAutoFit/>
+          </a:bodyPr>
+          <a:lstStyle/>
+          <a:p>
+            <a:pPr algn="ctr"/>
+            <a:r>
+              <a:rPr lang="fr-FR" sz="4000" dirty="0" err="1" smtClean="0"/>
+              <a:t>Storyboard</a:t>
+            </a:r>
+            <a:endParaRPr lang="fr-FR" sz="4000" dirty="0"/>
+          </a:p>
+        </p:txBody>
+      </p:sp>
+      <p:sp>
+        <p:nvSpPr>
+          <p:cNvPr id="5" name="ZoneTexte 4"/>
+          <p:cNvSpPr txBox="1"/>
+          <p:nvPr/>
+        </p:nvSpPr>
+        <p:spPr>
+          <a:xfrm>
+            <a:off x="2413201" y="1250430"/>
+            <a:ext cx="4392488" cy="400110"/>
+          </a:xfrm>
+          <a:prstGeom prst="rect">
+            <a:avLst/>
+          </a:prstGeom>
+          <a:noFill/>
+        </p:spPr>
+        <p:txBody>
+          <a:bodyPr wrap="square" rtlCol="0">
+            <a:spAutoFit/>
+          </a:bodyPr>
+          <a:lstStyle/>
+          <a:p>
+            <a:pPr algn="ctr"/>
+            <a:r>
+              <a:rPr lang="fr-FR" sz="2000" b="1" dirty="0" smtClean="0"/>
+              <a:t>Page d’authentification étudiant</a:t>
+            </a:r>
+            <a:endParaRPr lang="fr-FR" sz="2000" b="1" dirty="0"/>
+          </a:p>
+        </p:txBody>
+      </p:sp>
+      <p:sp>
+        <p:nvSpPr>
+          <p:cNvPr id="6" name="Rectangle 5"/>
+          <p:cNvSpPr/>
+          <p:nvPr/>
+        </p:nvSpPr>
+        <p:spPr>
+          <a:xfrm>
+            <a:off x="4932039" y="4689140"/>
+            <a:ext cx="1873649" cy="504056"/>
+          </a:xfrm>
+          <a:prstGeom prst="rect">
+            <a:avLst/>
+          </a:prstGeom>
+        </p:spPr>
+        <p:style>
+          <a:lnRef idx="2">
+            <a:schemeClr val="accent2">
+              <a:shade val="50000"/>
+            </a:schemeClr>
+          </a:lnRef>
+          <a:fillRef idx="1">
+            <a:schemeClr val="accent2"/>
+          </a:fillRef>
+          <a:effectRef idx="0">
+            <a:schemeClr val="accent2"/>
+          </a:effectRef>
+          <a:fontRef idx="minor">
+            <a:schemeClr val="lt1"/>
+          </a:fontRef>
+        </p:style>
+        <p:txBody>
+          <a:bodyPr rtlCol="0" anchor="ctr"/>
+          <a:lstStyle/>
+          <a:p>
+            <a:pPr algn="ctr"/>
+            <a:r>
+              <a:rPr lang="fr-FR" sz="2400" b="1" dirty="0" smtClean="0"/>
+              <a:t>Connexion</a:t>
+            </a:r>
+            <a:endParaRPr lang="fr-FR" b="1" dirty="0"/>
+          </a:p>
+        </p:txBody>
+      </p:sp>
+      <p:grpSp>
+        <p:nvGrpSpPr>
+          <p:cNvPr id="7" name="Groupe 6"/>
+          <p:cNvGrpSpPr/>
+          <p:nvPr/>
+        </p:nvGrpSpPr>
+        <p:grpSpPr>
+          <a:xfrm>
+            <a:off x="1944949" y="1052885"/>
+            <a:ext cx="5328592" cy="5472608"/>
+            <a:chOff x="1944949" y="1052885"/>
+            <a:chExt cx="5328592" cy="5472608"/>
+          </a:xfrm>
+        </p:grpSpPr>
+        <p:sp>
+          <p:nvSpPr>
+            <p:cNvPr id="8" name="Rectangle 7"/>
+            <p:cNvSpPr/>
+            <p:nvPr/>
+          </p:nvSpPr>
+          <p:spPr>
+            <a:xfrm>
+              <a:off x="1944949" y="1052885"/>
+              <a:ext cx="5328592" cy="5472608"/>
+            </a:xfrm>
+            <a:prstGeom prst="rect">
+              <a:avLst/>
+            </a:prstGeom>
+          </p:spPr>
+          <p:style>
+            <a:lnRef idx="2">
+              <a:schemeClr val="accent2"/>
+            </a:lnRef>
+            <a:fillRef idx="1">
+              <a:schemeClr val="lt1"/>
+            </a:fillRef>
+            <a:effectRef idx="0">
+              <a:schemeClr val="accent2"/>
+            </a:effectRef>
+            <a:fontRef idx="minor">
+              <a:schemeClr val="dk1"/>
+            </a:fontRef>
+          </p:style>
+          <p:txBody>
+            <a:bodyPr rtlCol="0" anchor="ctr"/>
+            <a:lstStyle/>
+            <a:p>
+              <a:pPr algn="ctr"/>
+              <a:endParaRPr lang="fr-FR"/>
+            </a:p>
+          </p:txBody>
+        </p:sp>
+        <p:sp>
+          <p:nvSpPr>
+            <p:cNvPr id="9" name="ZoneTexte 8"/>
+            <p:cNvSpPr txBox="1"/>
+            <p:nvPr/>
+          </p:nvSpPr>
+          <p:spPr>
+            <a:xfrm>
+              <a:off x="2425033" y="1250430"/>
+              <a:ext cx="4392488" cy="400110"/>
+            </a:xfrm>
+            <a:prstGeom prst="rect">
+              <a:avLst/>
+            </a:prstGeom>
+            <a:noFill/>
+          </p:spPr>
+          <p:txBody>
+            <a:bodyPr wrap="square" rtlCol="0">
+              <a:spAutoFit/>
+            </a:bodyPr>
+            <a:lstStyle/>
+            <a:p>
+              <a:pPr algn="ctr"/>
+              <a:r>
+                <a:rPr lang="fr-FR" sz="2000" b="1" dirty="0" smtClean="0"/>
+                <a:t>Accueil de l’application</a:t>
+              </a:r>
+              <a:endParaRPr lang="fr-FR" sz="2000" b="1" dirty="0"/>
+            </a:p>
+          </p:txBody>
+        </p:sp>
+        <p:sp>
+          <p:nvSpPr>
+            <p:cNvPr id="12" name="Rectangle 11"/>
+            <p:cNvSpPr/>
+            <p:nvPr/>
+          </p:nvSpPr>
+          <p:spPr>
+            <a:xfrm>
+              <a:off x="2699792" y="2420888"/>
+              <a:ext cx="3960440" cy="504056"/>
+            </a:xfrm>
+            <a:prstGeom prst="rect">
+              <a:avLst/>
+            </a:prstGeom>
+          </p:spPr>
+          <p:style>
+            <a:lnRef idx="2">
+              <a:schemeClr val="accent2">
+                <a:shade val="50000"/>
+              </a:schemeClr>
+            </a:lnRef>
+            <a:fillRef idx="1">
+              <a:schemeClr val="accent2"/>
+            </a:fillRef>
+            <a:effectRef idx="0">
+              <a:schemeClr val="accent2"/>
+            </a:effectRef>
+            <a:fontRef idx="minor">
+              <a:schemeClr val="lt1"/>
+            </a:fontRef>
+          </p:style>
+          <p:txBody>
+            <a:bodyPr rtlCol="0" anchor="ctr"/>
+            <a:lstStyle/>
+            <a:p>
+              <a:pPr algn="ctr"/>
+              <a:r>
+                <a:rPr lang="fr-FR" sz="2400" b="1" dirty="0" smtClean="0"/>
+                <a:t>Administrateurs</a:t>
+              </a:r>
+              <a:endParaRPr lang="fr-FR" b="1" dirty="0"/>
+            </a:p>
+          </p:txBody>
+        </p:sp>
+      </p:grpSp>
+      <p:sp>
+        <p:nvSpPr>
+          <p:cNvPr id="14" name="Rectangle 13"/>
+          <p:cNvSpPr/>
+          <p:nvPr/>
+        </p:nvSpPr>
+        <p:spPr>
+          <a:xfrm>
+            <a:off x="2629025" y="4077072"/>
+            <a:ext cx="3960440" cy="504056"/>
+          </a:xfrm>
+          <a:prstGeom prst="rect">
+            <a:avLst/>
+          </a:prstGeom>
+        </p:spPr>
+        <p:style>
+          <a:lnRef idx="2">
+            <a:schemeClr val="accent2">
+              <a:shade val="50000"/>
+            </a:schemeClr>
+          </a:lnRef>
+          <a:fillRef idx="1">
+            <a:schemeClr val="accent2"/>
+          </a:fillRef>
+          <a:effectRef idx="0">
+            <a:schemeClr val="accent2"/>
+          </a:effectRef>
+          <a:fontRef idx="minor">
+            <a:schemeClr val="lt1"/>
+          </a:fontRef>
+        </p:style>
+        <p:txBody>
+          <a:bodyPr rtlCol="0" anchor="ctr"/>
+          <a:lstStyle/>
+          <a:p>
+            <a:pPr algn="ctr"/>
+            <a:r>
+              <a:rPr lang="fr-FR" sz="2400" b="1" dirty="0" smtClean="0"/>
+              <a:t>Etudiants</a:t>
+            </a:r>
+            <a:endParaRPr lang="fr-FR" b="1" dirty="0"/>
+          </a:p>
+        </p:txBody>
+      </p:sp>
+    </p:spTree>
+    <p:extLst>
+      <p:ext uri="{BB962C8B-B14F-4D97-AF65-F5344CB8AC3E}">
+        <p14:creationId xmlns:p14="http://schemas.microsoft.com/office/powerpoint/2010/main" val="1046156317"/>
+      </p:ext>
+    </p:extLst>
+  </p:cSld>
+  <p:clrMapOvr>
+    <a:masterClrMapping/>
+  </p:clrMapOvr>
+  <p:timing>
+    <p:tnLst>
+      <p:par>
+        <p:cTn id="1" dur="indefinite" restart="never" nodeType="tmRoot"/>
+      </p:par>
+    </p:tnLst>
+  </p:timing>
+</p:sld>
+</file>
+
+<file path=ppt/slides/slide4.xml><?xml version="1.0" encoding="utf-8"?>
 <p:sld xmlns:a="http://schemas.openxmlformats.org/drawingml/2006/main" xmlns:r="http://schemas.openxmlformats.org/officeDocument/2006/relationships" xmlns:p="http://schemas.openxmlformats.org/presentationml/2006/main">
   <p:cSld>
     <p:spTree>
@@ -7591,7 +10096,7 @@
 </p:sld>
 </file>
 
-<file path=ppt/slides/slide4.xml><?xml version="1.0" encoding="utf-8"?>
+<file path=ppt/slides/slide5.xml><?xml version="1.0" encoding="utf-8"?>
 <p:sld xmlns:a="http://schemas.openxmlformats.org/drawingml/2006/main" xmlns:r="http://schemas.openxmlformats.org/officeDocument/2006/relationships" xmlns:p="http://schemas.openxmlformats.org/presentationml/2006/main">
   <p:cSld>
     <p:spTree>
@@ -7881,7 +10386,7 @@
 </p:sld>
 </file>
 
-<file path=ppt/slides/slide5.xml><?xml version="1.0" encoding="utf-8"?>
+<file path=ppt/slides/slide6.xml><?xml version="1.0" encoding="utf-8"?>
 <p:sld xmlns:a="http://schemas.openxmlformats.org/drawingml/2006/main" xmlns:r="http://schemas.openxmlformats.org/officeDocument/2006/relationships" xmlns:p="http://schemas.openxmlformats.org/presentationml/2006/main">
   <p:cSld>
     <p:spTree>
@@ -8088,7 +10593,7 @@
 </p:sld>
 </file>
 
-<file path=ppt/slides/slide6.xml><?xml version="1.0" encoding="utf-8"?>
+<file path=ppt/slides/slide7.xml><?xml version="1.0" encoding="utf-8"?>
 <p:sld xmlns:a="http://schemas.openxmlformats.org/drawingml/2006/main" xmlns:r="http://schemas.openxmlformats.org/officeDocument/2006/relationships" xmlns:p="http://schemas.openxmlformats.org/presentationml/2006/main">
   <p:cSld>
     <p:spTree>
@@ -8540,7 +11045,7 @@
 </p:sld>
 </file>
 
-<file path=ppt/slides/slide7.xml><?xml version="1.0" encoding="utf-8"?>
+<file path=ppt/slides/slide8.xml><?xml version="1.0" encoding="utf-8"?>
 <p:sld xmlns:a="http://schemas.openxmlformats.org/drawingml/2006/main" xmlns:r="http://schemas.openxmlformats.org/officeDocument/2006/relationships" xmlns:p="http://schemas.openxmlformats.org/presentationml/2006/main">
   <p:cSld>
     <p:spTree>
@@ -8670,7 +11175,7 @@
           <p:nvPr>
             <p:extLst>
               <p:ext uri="{D42A27DB-BD31-4B8C-83A1-F6EECF244321}">
-                <p14:modId xmlns:p14="http://schemas.microsoft.com/office/powerpoint/2010/main" val="3298705195"/>
+                <p14:modId xmlns:p14="http://schemas.microsoft.com/office/powerpoint/2010/main" val="694687285"/>
               </p:ext>
             </p:extLst>
           </p:nvPr>
@@ -8791,7 +11296,7 @@
                     <a:p>
                       <a:r>
                         <a:rPr lang="fr-FR" dirty="0" smtClean="0"/>
-                        <a:t>10</a:t>
+                        <a:t>10,12</a:t>
                       </a:r>
                       <a:endParaRPr lang="fr-FR" dirty="0"/>
                     </a:p>
@@ -8967,7 +11472,7 @@
                     <a:p>
                       <a:r>
                         <a:rPr lang="fr-FR" dirty="0" smtClean="0"/>
-                        <a:t>14</a:t>
+                        <a:t>14,10,9</a:t>
                       </a:r>
                       <a:endParaRPr lang="fr-FR" dirty="0"/>
                     </a:p>
@@ -9131,7 +11636,7 @@
 </p:sld>
 </file>
 
-<file path=ppt/slides/slide8.xml><?xml version="1.0" encoding="utf-8"?>
+<file path=ppt/slides/slide9.xml><?xml version="1.0" encoding="utf-8"?>
 <p:sld xmlns:a="http://schemas.openxmlformats.org/drawingml/2006/main" xmlns:r="http://schemas.openxmlformats.org/officeDocument/2006/relationships" xmlns:p="http://schemas.openxmlformats.org/presentationml/2006/main">
   <p:cSld>
     <p:spTree>
@@ -9350,628 +11855,6 @@
     <p:extLst>
       <p:ext uri="{BB962C8B-B14F-4D97-AF65-F5344CB8AC3E}">
         <p14:creationId xmlns:p14="http://schemas.microsoft.com/office/powerpoint/2010/main" val="4093272694"/>
-      </p:ext>
-    </p:extLst>
-  </p:cSld>
-  <p:clrMapOvr>
-    <a:masterClrMapping/>
-  </p:clrMapOvr>
-  <p:timing>
-    <p:tnLst>
-      <p:par>
-        <p:cTn id="1" dur="indefinite" restart="never" nodeType="tmRoot"/>
-      </p:par>
-    </p:tnLst>
-  </p:timing>
-</p:sld>
-</file>
-
-<file path=ppt/slides/slide9.xml><?xml version="1.0" encoding="utf-8"?>
-<p:sld xmlns:a="http://schemas.openxmlformats.org/drawingml/2006/main" xmlns:r="http://schemas.openxmlformats.org/officeDocument/2006/relationships" xmlns:p="http://schemas.openxmlformats.org/presentationml/2006/main">
-  <p:cSld>
-    <p:spTree>
-      <p:nvGrpSpPr>
-        <p:cNvPr id="1" name=""/>
-        <p:cNvGrpSpPr/>
-        <p:nvPr/>
-      </p:nvGrpSpPr>
-      <p:grpSpPr>
-        <a:xfrm>
-          <a:off x="0" y="0"/>
-          <a:ext cx="0" cy="0"/>
-          <a:chOff x="0" y="0"/>
-          <a:chExt cx="0" cy="0"/>
-        </a:xfrm>
-      </p:grpSpPr>
-      <p:sp>
-        <p:nvSpPr>
-          <p:cNvPr id="5" name="Rectangle 4"/>
-          <p:cNvSpPr/>
-          <p:nvPr/>
-        </p:nvSpPr>
-        <p:spPr>
-          <a:xfrm>
-            <a:off x="2195736" y="1259622"/>
-            <a:ext cx="5328592" cy="5130898"/>
-          </a:xfrm>
-          <a:prstGeom prst="rect">
-            <a:avLst/>
-          </a:prstGeom>
-        </p:spPr>
-        <p:style>
-          <a:lnRef idx="2">
-            <a:schemeClr val="accent2"/>
-          </a:lnRef>
-          <a:fillRef idx="1">
-            <a:schemeClr val="lt1"/>
-          </a:fillRef>
-          <a:effectRef idx="0">
-            <a:schemeClr val="accent2"/>
-          </a:effectRef>
-          <a:fontRef idx="minor">
-            <a:schemeClr val="dk1"/>
-          </a:fontRef>
-        </p:style>
-        <p:txBody>
-          <a:bodyPr rtlCol="0" anchor="ctr"/>
-          <a:lstStyle/>
-          <a:p>
-            <a:pPr algn="ctr"/>
-            <a:endParaRPr lang="fr-FR"/>
-          </a:p>
-        </p:txBody>
-      </p:sp>
-      <p:sp>
-        <p:nvSpPr>
-          <p:cNvPr id="4" name="ZoneTexte 3"/>
-          <p:cNvSpPr txBox="1"/>
-          <p:nvPr/>
-        </p:nvSpPr>
-        <p:spPr>
-          <a:xfrm>
-            <a:off x="575556" y="338753"/>
-            <a:ext cx="7776864" cy="707886"/>
-          </a:xfrm>
-          <a:prstGeom prst="rect">
-            <a:avLst/>
-          </a:prstGeom>
-          <a:noFill/>
-        </p:spPr>
-        <p:txBody>
-          <a:bodyPr wrap="square" rtlCol="0">
-            <a:spAutoFit/>
-          </a:bodyPr>
-          <a:lstStyle/>
-          <a:p>
-            <a:pPr algn="ctr"/>
-            <a:r>
-              <a:rPr lang="fr-FR" sz="4000" dirty="0" err="1" smtClean="0"/>
-              <a:t>Storyboard</a:t>
-            </a:r>
-            <a:r>
-              <a:rPr lang="fr-FR" sz="4000" dirty="0" smtClean="0"/>
-              <a:t> - Administrateur</a:t>
-            </a:r>
-            <a:endParaRPr lang="fr-FR" sz="4000" dirty="0"/>
-          </a:p>
-        </p:txBody>
-      </p:sp>
-      <p:sp>
-        <p:nvSpPr>
-          <p:cNvPr id="6" name="ZoneTexte 5"/>
-          <p:cNvSpPr txBox="1"/>
-          <p:nvPr/>
-        </p:nvSpPr>
-        <p:spPr>
-          <a:xfrm>
-            <a:off x="2422979" y="1250430"/>
-            <a:ext cx="4392488" cy="400110"/>
-          </a:xfrm>
-          <a:prstGeom prst="rect">
-            <a:avLst/>
-          </a:prstGeom>
-          <a:noFill/>
-        </p:spPr>
-        <p:txBody>
-          <a:bodyPr wrap="square" rtlCol="0">
-            <a:spAutoFit/>
-          </a:bodyPr>
-          <a:lstStyle/>
-          <a:p>
-            <a:pPr algn="ctr"/>
-            <a:r>
-              <a:rPr lang="fr-FR" sz="2000" b="1" dirty="0" smtClean="0"/>
-              <a:t>Saisir une note</a:t>
-            </a:r>
-            <a:endParaRPr lang="fr-FR" sz="2000" b="1" dirty="0"/>
-          </a:p>
-        </p:txBody>
-      </p:sp>
-      <p:sp>
-        <p:nvSpPr>
-          <p:cNvPr id="7" name="ZoneTexte 6"/>
-          <p:cNvSpPr txBox="1"/>
-          <p:nvPr/>
-        </p:nvSpPr>
-        <p:spPr>
-          <a:xfrm>
-            <a:off x="2565914" y="3455739"/>
-            <a:ext cx="3301149" cy="369332"/>
-          </a:xfrm>
-          <a:prstGeom prst="rect">
-            <a:avLst/>
-          </a:prstGeom>
-          <a:noFill/>
-          <a:ln>
-            <a:solidFill>
-              <a:schemeClr val="tx1"/>
-            </a:solidFill>
-          </a:ln>
-        </p:spPr>
-        <p:txBody>
-          <a:bodyPr wrap="square" rtlCol="0">
-            <a:spAutoFit/>
-          </a:bodyPr>
-          <a:lstStyle/>
-          <a:p>
-            <a:r>
-              <a:rPr lang="fr-FR" dirty="0" smtClean="0"/>
-              <a:t>Choix d’une matière</a:t>
-            </a:r>
-            <a:endParaRPr lang="fr-FR" dirty="0"/>
-          </a:p>
-        </p:txBody>
-      </p:sp>
-      <p:sp>
-        <p:nvSpPr>
-          <p:cNvPr id="8" name="Rectangle 7"/>
-          <p:cNvSpPr/>
-          <p:nvPr/>
-        </p:nvSpPr>
-        <p:spPr>
-          <a:xfrm>
-            <a:off x="5421438" y="3455739"/>
-            <a:ext cx="432048" cy="369332"/>
-          </a:xfrm>
-          <a:prstGeom prst="rect">
-            <a:avLst/>
-          </a:prstGeom>
-        </p:spPr>
-        <p:style>
-          <a:lnRef idx="2">
-            <a:schemeClr val="dk1">
-              <a:shade val="50000"/>
-            </a:schemeClr>
-          </a:lnRef>
-          <a:fillRef idx="1">
-            <a:schemeClr val="dk1"/>
-          </a:fillRef>
-          <a:effectRef idx="0">
-            <a:schemeClr val="dk1"/>
-          </a:effectRef>
-          <a:fontRef idx="minor">
-            <a:schemeClr val="lt1"/>
-          </a:fontRef>
-        </p:style>
-        <p:txBody>
-          <a:bodyPr rtlCol="0" anchor="ctr"/>
-          <a:lstStyle/>
-          <a:p>
-            <a:pPr algn="ctr"/>
-            <a:endParaRPr lang="fr-FR"/>
-          </a:p>
-        </p:txBody>
-      </p:sp>
-      <p:sp>
-        <p:nvSpPr>
-          <p:cNvPr id="9" name="Flèche vers le bas 8"/>
-          <p:cNvSpPr/>
-          <p:nvPr/>
-        </p:nvSpPr>
-        <p:spPr>
-          <a:xfrm>
-            <a:off x="5457442" y="3455739"/>
-            <a:ext cx="360040" cy="369332"/>
-          </a:xfrm>
-          <a:prstGeom prst="downArrow">
-            <a:avLst/>
-          </a:prstGeom>
-        </p:spPr>
-        <p:style>
-          <a:lnRef idx="2">
-            <a:schemeClr val="dk1"/>
-          </a:lnRef>
-          <a:fillRef idx="1">
-            <a:schemeClr val="lt1"/>
-          </a:fillRef>
-          <a:effectRef idx="0">
-            <a:schemeClr val="dk1"/>
-          </a:effectRef>
-          <a:fontRef idx="minor">
-            <a:schemeClr val="dk1"/>
-          </a:fontRef>
-        </p:style>
-        <p:txBody>
-          <a:bodyPr rtlCol="0" anchor="ctr"/>
-          <a:lstStyle/>
-          <a:p>
-            <a:pPr algn="ctr"/>
-            <a:endParaRPr lang="fr-FR"/>
-          </a:p>
-        </p:txBody>
-      </p:sp>
-      <p:sp>
-        <p:nvSpPr>
-          <p:cNvPr id="11" name="ZoneTexte 10"/>
-          <p:cNvSpPr txBox="1"/>
-          <p:nvPr/>
-        </p:nvSpPr>
-        <p:spPr>
-          <a:xfrm>
-            <a:off x="2462311" y="3825071"/>
-            <a:ext cx="3301149" cy="1477328"/>
-          </a:xfrm>
-          <a:prstGeom prst="rect">
-            <a:avLst/>
-          </a:prstGeom>
-          <a:noFill/>
-        </p:spPr>
-        <p:txBody>
-          <a:bodyPr wrap="square" rtlCol="0">
-            <a:spAutoFit/>
-          </a:bodyPr>
-          <a:lstStyle/>
-          <a:p>
-            <a:pPr marL="285750" indent="-285750">
-              <a:buFont typeface="Wingdings" panose="05000000000000000000" pitchFamily="2" charset="2"/>
-              <a:buChar char="Ø"/>
-            </a:pPr>
-            <a:r>
-              <a:rPr lang="fr-FR" dirty="0" smtClean="0"/>
-              <a:t>Histoire / Géo</a:t>
-            </a:r>
-          </a:p>
-          <a:p>
-            <a:pPr marL="285750" indent="-285750">
-              <a:buFont typeface="Wingdings" panose="05000000000000000000" pitchFamily="2" charset="2"/>
-              <a:buChar char="Ø"/>
-            </a:pPr>
-            <a:r>
-              <a:rPr lang="fr-FR" dirty="0" smtClean="0"/>
-              <a:t>Maths</a:t>
-            </a:r>
-          </a:p>
-          <a:p>
-            <a:pPr marL="285750" indent="-285750">
-              <a:buFont typeface="Wingdings" panose="05000000000000000000" pitchFamily="2" charset="2"/>
-              <a:buChar char="Ø"/>
-            </a:pPr>
-            <a:r>
-              <a:rPr lang="fr-FR" dirty="0" smtClean="0"/>
-              <a:t>Français</a:t>
-            </a:r>
-          </a:p>
-          <a:p>
-            <a:pPr marL="285750" indent="-285750">
-              <a:buFont typeface="Wingdings" panose="05000000000000000000" pitchFamily="2" charset="2"/>
-              <a:buChar char="Ø"/>
-            </a:pPr>
-            <a:r>
-              <a:rPr lang="fr-FR" dirty="0" smtClean="0"/>
-              <a:t>[…]</a:t>
-            </a:r>
-            <a:br>
-              <a:rPr lang="fr-FR" dirty="0" smtClean="0"/>
-            </a:br>
-            <a:endParaRPr lang="fr-FR" dirty="0"/>
-          </a:p>
-        </p:txBody>
-      </p:sp>
-      <p:sp>
-        <p:nvSpPr>
-          <p:cNvPr id="12" name="ZoneTexte 11"/>
-          <p:cNvSpPr txBox="1"/>
-          <p:nvPr/>
-        </p:nvSpPr>
-        <p:spPr>
-          <a:xfrm>
-            <a:off x="2565914" y="5117733"/>
-            <a:ext cx="3301149" cy="369332"/>
-          </a:xfrm>
-          <a:prstGeom prst="rect">
-            <a:avLst/>
-          </a:prstGeom>
-        </p:spPr>
-        <p:style>
-          <a:lnRef idx="2">
-            <a:schemeClr val="dk1"/>
-          </a:lnRef>
-          <a:fillRef idx="1">
-            <a:schemeClr val="lt1"/>
-          </a:fillRef>
-          <a:effectRef idx="0">
-            <a:schemeClr val="dk1"/>
-          </a:effectRef>
-          <a:fontRef idx="minor">
-            <a:schemeClr val="dk1"/>
-          </a:fontRef>
-        </p:style>
-        <p:txBody>
-          <a:bodyPr wrap="square" rtlCol="0">
-            <a:spAutoFit/>
-          </a:bodyPr>
-          <a:lstStyle/>
-          <a:p>
-            <a:pPr algn="ctr"/>
-            <a:r>
-              <a:rPr lang="fr-FR" dirty="0" smtClean="0"/>
-              <a:t>Note a saisir</a:t>
-            </a:r>
-            <a:endParaRPr lang="fr-FR" dirty="0"/>
-          </a:p>
-        </p:txBody>
-      </p:sp>
-      <p:sp>
-        <p:nvSpPr>
-          <p:cNvPr id="13" name="Rectangle 12"/>
-          <p:cNvSpPr/>
-          <p:nvPr/>
-        </p:nvSpPr>
-        <p:spPr>
-          <a:xfrm>
-            <a:off x="5493467" y="5885554"/>
-            <a:ext cx="1944216" cy="432048"/>
-          </a:xfrm>
-          <a:prstGeom prst="rect">
-            <a:avLst/>
-          </a:prstGeom>
-          <a:solidFill>
-            <a:srgbClr val="0070C0"/>
-          </a:solidFill>
-        </p:spPr>
-        <p:style>
-          <a:lnRef idx="2">
-            <a:schemeClr val="accent1">
-              <a:shade val="50000"/>
-            </a:schemeClr>
-          </a:lnRef>
-          <a:fillRef idx="1">
-            <a:schemeClr val="accent1"/>
-          </a:fillRef>
-          <a:effectRef idx="0">
-            <a:schemeClr val="accent1"/>
-          </a:effectRef>
-          <a:fontRef idx="minor">
-            <a:schemeClr val="lt1"/>
-          </a:fontRef>
-        </p:style>
-        <p:txBody>
-          <a:bodyPr rtlCol="0" anchor="ctr"/>
-          <a:lstStyle/>
-          <a:p>
-            <a:pPr algn="ctr"/>
-            <a:r>
-              <a:rPr lang="fr-FR" b="1" dirty="0" smtClean="0"/>
-              <a:t>Confirmer</a:t>
-            </a:r>
-            <a:endParaRPr lang="fr-FR" b="1" dirty="0"/>
-          </a:p>
-        </p:txBody>
-      </p:sp>
-      <p:sp>
-        <p:nvSpPr>
-          <p:cNvPr id="16" name="ZoneTexte 15"/>
-          <p:cNvSpPr txBox="1"/>
-          <p:nvPr/>
-        </p:nvSpPr>
-        <p:spPr>
-          <a:xfrm>
-            <a:off x="2565914" y="2180556"/>
-            <a:ext cx="3301149" cy="1477328"/>
-          </a:xfrm>
-          <a:prstGeom prst="rect">
-            <a:avLst/>
-          </a:prstGeom>
-          <a:noFill/>
-        </p:spPr>
-        <p:txBody>
-          <a:bodyPr wrap="square" rtlCol="0">
-            <a:spAutoFit/>
-          </a:bodyPr>
-          <a:lstStyle/>
-          <a:p>
-            <a:pPr marL="285750" indent="-285750">
-              <a:buFont typeface="Wingdings" panose="05000000000000000000" pitchFamily="2" charset="2"/>
-              <a:buChar char="Ø"/>
-            </a:pPr>
-            <a:r>
-              <a:rPr lang="fr-FR" dirty="0" smtClean="0"/>
-              <a:t>Mr. Dupond</a:t>
-            </a:r>
-          </a:p>
-          <a:p>
-            <a:pPr marL="285750" indent="-285750">
-              <a:buFont typeface="Wingdings" panose="05000000000000000000" pitchFamily="2" charset="2"/>
-              <a:buChar char="Ø"/>
-            </a:pPr>
-            <a:r>
-              <a:rPr lang="fr-FR" dirty="0" smtClean="0"/>
-              <a:t>Mr. Henry</a:t>
-            </a:r>
-          </a:p>
-          <a:p>
-            <a:pPr marL="285750" indent="-285750">
-              <a:buFont typeface="Wingdings" panose="05000000000000000000" pitchFamily="2" charset="2"/>
-              <a:buChar char="Ø"/>
-            </a:pPr>
-            <a:r>
-              <a:rPr lang="fr-FR" dirty="0" smtClean="0"/>
-              <a:t>Mme Duchamp</a:t>
-            </a:r>
-          </a:p>
-          <a:p>
-            <a:pPr marL="285750" indent="-285750">
-              <a:buFont typeface="Wingdings" panose="05000000000000000000" pitchFamily="2" charset="2"/>
-              <a:buChar char="Ø"/>
-            </a:pPr>
-            <a:r>
-              <a:rPr lang="fr-FR" dirty="0" smtClean="0"/>
-              <a:t>[…]</a:t>
-            </a:r>
-            <a:br>
-              <a:rPr lang="fr-FR" dirty="0" smtClean="0"/>
-            </a:br>
-            <a:endParaRPr lang="fr-FR" dirty="0"/>
-          </a:p>
-        </p:txBody>
-      </p:sp>
-      <p:grpSp>
-        <p:nvGrpSpPr>
-          <p:cNvPr id="19" name="Groupe 18"/>
-          <p:cNvGrpSpPr/>
-          <p:nvPr/>
-        </p:nvGrpSpPr>
-        <p:grpSpPr>
-          <a:xfrm>
-            <a:off x="2565914" y="1811224"/>
-            <a:ext cx="3301149" cy="369332"/>
-            <a:chOff x="2565914" y="1811224"/>
-            <a:chExt cx="3301149" cy="369332"/>
-          </a:xfrm>
-        </p:grpSpPr>
-        <p:sp>
-          <p:nvSpPr>
-            <p:cNvPr id="17" name="Rectangle 16"/>
-            <p:cNvSpPr/>
-            <p:nvPr/>
-          </p:nvSpPr>
-          <p:spPr>
-            <a:xfrm>
-              <a:off x="5435015" y="1811224"/>
-              <a:ext cx="432048" cy="369332"/>
-            </a:xfrm>
-            <a:prstGeom prst="rect">
-              <a:avLst/>
-            </a:prstGeom>
-          </p:spPr>
-          <p:style>
-            <a:lnRef idx="2">
-              <a:schemeClr val="dk1">
-                <a:shade val="50000"/>
-              </a:schemeClr>
-            </a:lnRef>
-            <a:fillRef idx="1">
-              <a:schemeClr val="dk1"/>
-            </a:fillRef>
-            <a:effectRef idx="0">
-              <a:schemeClr val="dk1"/>
-            </a:effectRef>
-            <a:fontRef idx="minor">
-              <a:schemeClr val="lt1"/>
-            </a:fontRef>
-          </p:style>
-          <p:txBody>
-            <a:bodyPr rtlCol="0" anchor="ctr"/>
-            <a:lstStyle/>
-            <a:p>
-              <a:pPr algn="ctr"/>
-              <a:endParaRPr lang="fr-FR"/>
-            </a:p>
-          </p:txBody>
-        </p:sp>
-        <p:grpSp>
-          <p:nvGrpSpPr>
-            <p:cNvPr id="18" name="Groupe 17"/>
-            <p:cNvGrpSpPr/>
-            <p:nvPr/>
-          </p:nvGrpSpPr>
-          <p:grpSpPr>
-            <a:xfrm>
-              <a:off x="2565914" y="1811224"/>
-              <a:ext cx="3301149" cy="369332"/>
-              <a:chOff x="2565914" y="1811224"/>
-              <a:chExt cx="3301149" cy="369332"/>
-            </a:xfrm>
-          </p:grpSpPr>
-          <p:sp>
-            <p:nvSpPr>
-              <p:cNvPr id="14" name="ZoneTexte 13"/>
-              <p:cNvSpPr txBox="1"/>
-              <p:nvPr/>
-            </p:nvSpPr>
-            <p:spPr>
-              <a:xfrm>
-                <a:off x="2565914" y="1811224"/>
-                <a:ext cx="3301149" cy="369332"/>
-              </a:xfrm>
-              <a:prstGeom prst="rect">
-                <a:avLst/>
-              </a:prstGeom>
-              <a:noFill/>
-              <a:ln>
-                <a:solidFill>
-                  <a:schemeClr val="tx1"/>
-                </a:solidFill>
-              </a:ln>
-            </p:spPr>
-            <p:txBody>
-              <a:bodyPr wrap="square" rtlCol="0">
-                <a:spAutoFit/>
-              </a:bodyPr>
-              <a:lstStyle/>
-              <a:p>
-                <a:r>
-                  <a:rPr lang="fr-FR" dirty="0" smtClean="0"/>
-                  <a:t>Choix d’un étudiant </a:t>
-                </a:r>
-                <a:endParaRPr lang="fr-FR" dirty="0"/>
-              </a:p>
-            </p:txBody>
-          </p:sp>
-          <p:sp>
-            <p:nvSpPr>
-              <p:cNvPr id="15" name="Flèche vers le bas 14"/>
-              <p:cNvSpPr/>
-              <p:nvPr/>
-            </p:nvSpPr>
-            <p:spPr>
-              <a:xfrm>
-                <a:off x="5469671" y="1811224"/>
-                <a:ext cx="360040" cy="369332"/>
-              </a:xfrm>
-              <a:prstGeom prst="downArrow">
-                <a:avLst/>
-              </a:prstGeom>
-            </p:spPr>
-            <p:style>
-              <a:lnRef idx="2">
-                <a:schemeClr val="dk1"/>
-              </a:lnRef>
-              <a:fillRef idx="1">
-                <a:schemeClr val="lt1"/>
-              </a:fillRef>
-              <a:effectRef idx="0">
-                <a:schemeClr val="dk1"/>
-              </a:effectRef>
-              <a:fontRef idx="minor">
-                <a:schemeClr val="dk1"/>
-              </a:fontRef>
-            </p:style>
-            <p:txBody>
-              <a:bodyPr rtlCol="0" anchor="ctr"/>
-              <a:lstStyle/>
-              <a:p>
-                <a:pPr algn="ctr"/>
-                <a:endParaRPr lang="fr-FR"/>
-              </a:p>
-            </p:txBody>
-          </p:sp>
-        </p:grpSp>
-      </p:grpSp>
-    </p:spTree>
-    <p:extLst>
-      <p:ext uri="{BB962C8B-B14F-4D97-AF65-F5344CB8AC3E}">
-        <p14:creationId xmlns:p14="http://schemas.microsoft.com/office/powerpoint/2010/main" val="1157296227"/>
       </p:ext>
     </p:extLst>
   </p:cSld>
